--- a/COMP 397 - Project Presentation.pptx
+++ b/COMP 397 - Project Presentation.pptx
@@ -5,18 +5,22 @@
     <p:sldMasterId id="2147483660" r:id="rId1"/>
   </p:sldMasterIdLst>
   <p:notesMasterIdLst>
-    <p:notesMasterId r:id="rId11"/>
+    <p:notesMasterId r:id="rId15"/>
   </p:notesMasterIdLst>
   <p:sldIdLst>
     <p:sldId id="256" r:id="rId2"/>
-    <p:sldId id="257" r:id="rId3"/>
-    <p:sldId id="258" r:id="rId4"/>
-    <p:sldId id="259" r:id="rId5"/>
-    <p:sldId id="260" r:id="rId6"/>
-    <p:sldId id="261" r:id="rId7"/>
-    <p:sldId id="262" r:id="rId8"/>
-    <p:sldId id="263" r:id="rId9"/>
-    <p:sldId id="264" r:id="rId10"/>
+    <p:sldId id="265" r:id="rId3"/>
+    <p:sldId id="257" r:id="rId4"/>
+    <p:sldId id="258" r:id="rId5"/>
+    <p:sldId id="259" r:id="rId6"/>
+    <p:sldId id="260" r:id="rId7"/>
+    <p:sldId id="261" r:id="rId8"/>
+    <p:sldId id="262" r:id="rId9"/>
+    <p:sldId id="263" r:id="rId10"/>
+    <p:sldId id="266" r:id="rId11"/>
+    <p:sldId id="267" r:id="rId12"/>
+    <p:sldId id="268" r:id="rId13"/>
+    <p:sldId id="264" r:id="rId14"/>
   </p:sldIdLst>
   <p:sldSz cx="9144000" cy="5143500" type="screen16x9"/>
   <p:notesSz cx="6858000" cy="9144000"/>
@@ -7925,7 +7929,488 @@
 </p:sld>
 </file>
 
+<file path=ppt/slides/slide10.xml><?xml version="1.0" encoding="utf-8"?>
+<p:sld xmlns:a="http://schemas.openxmlformats.org/drawingml/2006/main" xmlns:r="http://schemas.openxmlformats.org/officeDocument/2006/relationships" xmlns:p="http://schemas.openxmlformats.org/presentationml/2006/main">
+  <p:cSld>
+    <p:spTree>
+      <p:nvGrpSpPr>
+        <p:cNvPr id="1" name=""/>
+        <p:cNvGrpSpPr/>
+        <p:nvPr/>
+      </p:nvGrpSpPr>
+      <p:grpSpPr>
+        <a:xfrm>
+          <a:off x="0" y="0"/>
+          <a:ext cx="0" cy="0"/>
+          <a:chOff x="0" y="0"/>
+          <a:chExt cx="0" cy="0"/>
+        </a:xfrm>
+      </p:grpSpPr>
+      <p:sp>
+        <p:nvSpPr>
+          <p:cNvPr id="2" name="Título 1"/>
+          <p:cNvSpPr>
+            <a:spLocks noGrp="1"/>
+          </p:cNvSpPr>
+          <p:nvPr>
+            <p:ph type="title"/>
+          </p:nvPr>
+        </p:nvSpPr>
+        <p:spPr/>
+        <p:txBody>
+          <a:bodyPr>
+            <a:normAutofit fontScale="90000"/>
+          </a:bodyPr>
+          <a:lstStyle/>
+          <a:p>
+            <a:r>
+              <a:rPr lang="en-CA" dirty="0" smtClean="0"/>
+              <a:t>State Diagram</a:t>
+            </a:r>
+            <a:endParaRPr lang="en-CA" dirty="0"/>
+          </a:p>
+        </p:txBody>
+      </p:sp>
+      <p:sp>
+        <p:nvSpPr>
+          <p:cNvPr id="3" name="Espaço Reservado para Texto 2"/>
+          <p:cNvSpPr>
+            <a:spLocks noGrp="1"/>
+          </p:cNvSpPr>
+          <p:nvPr>
+            <p:ph type="body" idx="1"/>
+          </p:nvPr>
+        </p:nvSpPr>
+        <p:spPr/>
+        <p:txBody>
+          <a:bodyPr/>
+          <a:lstStyle/>
+          <a:p>
+            <a:endParaRPr lang="en-CA" dirty="0"/>
+          </a:p>
+        </p:txBody>
+      </p:sp>
+    </p:spTree>
+    <p:extLst>
+      <p:ext uri="{BB962C8B-B14F-4D97-AF65-F5344CB8AC3E}">
+        <p14:creationId xmlns:p14="http://schemas.microsoft.com/office/powerpoint/2010/main" val="4236854797"/>
+      </p:ext>
+    </p:extLst>
+  </p:cSld>
+  <p:clrMapOvr>
+    <a:masterClrMapping/>
+  </p:clrMapOvr>
+</p:sld>
+</file>
+
+<file path=ppt/slides/slide11.xml><?xml version="1.0" encoding="utf-8"?>
+<p:sld xmlns:a="http://schemas.openxmlformats.org/drawingml/2006/main" xmlns:r="http://schemas.openxmlformats.org/officeDocument/2006/relationships" xmlns:p="http://schemas.openxmlformats.org/presentationml/2006/main">
+  <p:cSld>
+    <p:spTree>
+      <p:nvGrpSpPr>
+        <p:cNvPr id="1" name=""/>
+        <p:cNvGrpSpPr/>
+        <p:nvPr/>
+      </p:nvGrpSpPr>
+      <p:grpSpPr>
+        <a:xfrm>
+          <a:off x="0" y="0"/>
+          <a:ext cx="0" cy="0"/>
+          <a:chOff x="0" y="0"/>
+          <a:chExt cx="0" cy="0"/>
+        </a:xfrm>
+      </p:grpSpPr>
+      <p:sp>
+        <p:nvSpPr>
+          <p:cNvPr id="2" name="Título 1"/>
+          <p:cNvSpPr>
+            <a:spLocks noGrp="1"/>
+          </p:cNvSpPr>
+          <p:nvPr>
+            <p:ph type="title"/>
+          </p:nvPr>
+        </p:nvSpPr>
+        <p:spPr/>
+        <p:txBody>
+          <a:bodyPr>
+            <a:normAutofit fontScale="90000"/>
+          </a:bodyPr>
+          <a:lstStyle/>
+          <a:p>
+            <a:r>
+              <a:rPr lang="en-CA" dirty="0" smtClean="0"/>
+              <a:t>Class Diagram</a:t>
+            </a:r>
+            <a:endParaRPr lang="en-CA" dirty="0"/>
+          </a:p>
+        </p:txBody>
+      </p:sp>
+      <p:sp>
+        <p:nvSpPr>
+          <p:cNvPr id="3" name="Espaço Reservado para Texto 2"/>
+          <p:cNvSpPr>
+            <a:spLocks noGrp="1"/>
+          </p:cNvSpPr>
+          <p:nvPr>
+            <p:ph type="body" idx="1"/>
+          </p:nvPr>
+        </p:nvSpPr>
+        <p:spPr/>
+        <p:txBody>
+          <a:bodyPr/>
+          <a:lstStyle/>
+          <a:p>
+            <a:endParaRPr lang="en-CA"/>
+          </a:p>
+        </p:txBody>
+      </p:sp>
+    </p:spTree>
+    <p:extLst>
+      <p:ext uri="{BB962C8B-B14F-4D97-AF65-F5344CB8AC3E}">
+        <p14:creationId xmlns:p14="http://schemas.microsoft.com/office/powerpoint/2010/main" val="297057072"/>
+      </p:ext>
+    </p:extLst>
+  </p:cSld>
+  <p:clrMapOvr>
+    <a:masterClrMapping/>
+  </p:clrMapOvr>
+</p:sld>
+</file>
+
+<file path=ppt/slides/slide12.xml><?xml version="1.0" encoding="utf-8"?>
+<p:sld xmlns:a="http://schemas.openxmlformats.org/drawingml/2006/main" xmlns:r="http://schemas.openxmlformats.org/officeDocument/2006/relationships" xmlns:p="http://schemas.openxmlformats.org/presentationml/2006/main">
+  <p:cSld>
+    <p:spTree>
+      <p:nvGrpSpPr>
+        <p:cNvPr id="1" name=""/>
+        <p:cNvGrpSpPr/>
+        <p:nvPr/>
+      </p:nvGrpSpPr>
+      <p:grpSpPr>
+        <a:xfrm>
+          <a:off x="0" y="0"/>
+          <a:ext cx="0" cy="0"/>
+          <a:chOff x="0" y="0"/>
+          <a:chExt cx="0" cy="0"/>
+        </a:xfrm>
+      </p:grpSpPr>
+      <p:sp>
+        <p:nvSpPr>
+          <p:cNvPr id="2" name="Título 1"/>
+          <p:cNvSpPr>
+            <a:spLocks noGrp="1"/>
+          </p:cNvSpPr>
+          <p:nvPr>
+            <p:ph type="title"/>
+          </p:nvPr>
+        </p:nvSpPr>
+        <p:spPr/>
+        <p:txBody>
+          <a:bodyPr>
+            <a:normAutofit fontScale="90000"/>
+          </a:bodyPr>
+          <a:lstStyle/>
+          <a:p>
+            <a:r>
+              <a:rPr lang="en-CA" dirty="0" smtClean="0"/>
+              <a:t>Classes</a:t>
+            </a:r>
+            <a:endParaRPr lang="en-CA" dirty="0"/>
+          </a:p>
+        </p:txBody>
+      </p:sp>
+      <p:sp>
+        <p:nvSpPr>
+          <p:cNvPr id="3" name="Espaço Reservado para Texto 2"/>
+          <p:cNvSpPr>
+            <a:spLocks noGrp="1"/>
+          </p:cNvSpPr>
+          <p:nvPr>
+            <p:ph type="body" idx="1"/>
+          </p:nvPr>
+        </p:nvSpPr>
+        <p:spPr/>
+        <p:txBody>
+          <a:bodyPr/>
+          <a:lstStyle/>
+          <a:p>
+            <a:endParaRPr lang="en-CA" dirty="0"/>
+          </a:p>
+        </p:txBody>
+      </p:sp>
+    </p:spTree>
+    <p:extLst>
+      <p:ext uri="{BB962C8B-B14F-4D97-AF65-F5344CB8AC3E}">
+        <p14:creationId xmlns:p14="http://schemas.microsoft.com/office/powerpoint/2010/main" val="1337829380"/>
+      </p:ext>
+    </p:extLst>
+  </p:cSld>
+  <p:clrMapOvr>
+    <a:masterClrMapping/>
+  </p:clrMapOvr>
+</p:sld>
+</file>
+
+<file path=ppt/slides/slide13.xml><?xml version="1.0" encoding="utf-8"?>
+<p:sld xmlns:a="http://schemas.openxmlformats.org/drawingml/2006/main" xmlns:r="http://schemas.openxmlformats.org/officeDocument/2006/relationships" xmlns:p="http://schemas.openxmlformats.org/presentationml/2006/main">
+  <p:cSld>
+    <p:spTree>
+      <p:nvGrpSpPr>
+        <p:cNvPr id="1" name="Shape 108"/>
+        <p:cNvGrpSpPr/>
+        <p:nvPr/>
+      </p:nvGrpSpPr>
+      <p:grpSpPr>
+        <a:xfrm>
+          <a:off x="0" y="0"/>
+          <a:ext cx="0" cy="0"/>
+          <a:chOff x="0" y="0"/>
+          <a:chExt cx="0" cy="0"/>
+        </a:xfrm>
+      </p:grpSpPr>
+      <p:sp>
+        <p:nvSpPr>
+          <p:cNvPr id="109" name="Google Shape;109;p21"/>
+          <p:cNvSpPr txBox="1">
+            <a:spLocks noGrp="1"/>
+          </p:cNvSpPr>
+          <p:nvPr>
+            <p:ph type="title"/>
+          </p:nvPr>
+        </p:nvSpPr>
+        <p:spPr>
+          <a:prstGeom prst="rect">
+            <a:avLst/>
+          </a:prstGeom>
+        </p:spPr>
+        <p:txBody>
+          <a:bodyPr spcFirstLastPara="1" wrap="square" lIns="91425" tIns="91425" rIns="91425" bIns="91425" anchor="t" anchorCtr="0">
+            <a:noAutofit/>
+          </a:bodyPr>
+          <a:lstStyle/>
+          <a:p>
+            <a:pPr marL="0" lvl="0" indent="0" algn="l" rtl="0">
+              <a:spcBef>
+                <a:spcPts val="0"/>
+              </a:spcBef>
+              <a:spcAft>
+                <a:spcPts val="0"/>
+              </a:spcAft>
+              <a:buNone/>
+            </a:pPr>
+            <a:r>
+              <a:rPr lang="en"/>
+              <a:t>Game link</a:t>
+            </a:r>
+            <a:endParaRPr/>
+          </a:p>
+        </p:txBody>
+      </p:sp>
+      <p:sp>
+        <p:nvSpPr>
+          <p:cNvPr id="110" name="Google Shape;110;p21"/>
+          <p:cNvSpPr txBox="1">
+            <a:spLocks noGrp="1"/>
+          </p:cNvSpPr>
+          <p:nvPr>
+            <p:ph type="body" idx="1"/>
+          </p:nvPr>
+        </p:nvSpPr>
+        <p:spPr>
+          <a:prstGeom prst="rect">
+            <a:avLst/>
+          </a:prstGeom>
+        </p:spPr>
+        <p:txBody>
+          <a:bodyPr spcFirstLastPara="1" wrap="square" lIns="91425" tIns="91425" rIns="91425" bIns="91425" anchor="t" anchorCtr="0">
+            <a:noAutofit/>
+          </a:bodyPr>
+          <a:lstStyle/>
+          <a:p>
+            <a:pPr marL="0" lvl="0" indent="0" algn="l" rtl="0">
+              <a:spcBef>
+                <a:spcPts val="0"/>
+              </a:spcBef>
+              <a:spcAft>
+                <a:spcPts val="0"/>
+              </a:spcAft>
+              <a:buNone/>
+            </a:pPr>
+            <a:endParaRPr dirty="0"/>
+          </a:p>
+          <a:p>
+            <a:pPr marL="0" lvl="0" indent="0" algn="l" rtl="0">
+              <a:spcBef>
+                <a:spcPts val="1600"/>
+              </a:spcBef>
+              <a:spcAft>
+                <a:spcPts val="1600"/>
+              </a:spcAft>
+              <a:buNone/>
+            </a:pPr>
+            <a:r>
+              <a:rPr lang="en" sz="1800" dirty="0">
+                <a:solidFill>
+                  <a:srgbClr val="0366D6"/>
+                </a:solidFill>
+                <a:uFill>
+                  <a:noFill/>
+                </a:uFill>
+                <a:hlinkClick r:id="rId3"/>
+              </a:rPr>
+              <a:t>https://robertoito.github.io/SP_FB/</a:t>
+            </a:r>
+            <a:endParaRPr sz="1800" dirty="0"/>
+          </a:p>
+        </p:txBody>
+      </p:sp>
+    </p:spTree>
+  </p:cSld>
+  <p:clrMapOvr>
+    <a:masterClrMapping/>
+  </p:clrMapOvr>
+  <p:timing>
+    <p:tnLst>
+      <p:par>
+        <p:cTn id="1" dur="indefinite" restart="never" nodeType="tmRoot"/>
+      </p:par>
+    </p:tnLst>
+  </p:timing>
+</p:sld>
+</file>
+
 <file path=ppt/slides/slide2.xml><?xml version="1.0" encoding="utf-8"?>
+<p:sld xmlns:a="http://schemas.openxmlformats.org/drawingml/2006/main" xmlns:r="http://schemas.openxmlformats.org/officeDocument/2006/relationships" xmlns:p="http://schemas.openxmlformats.org/presentationml/2006/main">
+  <p:cSld>
+    <p:spTree>
+      <p:nvGrpSpPr>
+        <p:cNvPr id="1" name=""/>
+        <p:cNvGrpSpPr/>
+        <p:nvPr/>
+      </p:nvGrpSpPr>
+      <p:grpSpPr>
+        <a:xfrm>
+          <a:off x="0" y="0"/>
+          <a:ext cx="0" cy="0"/>
+          <a:chOff x="0" y="0"/>
+          <a:chExt cx="0" cy="0"/>
+        </a:xfrm>
+      </p:grpSpPr>
+      <p:sp>
+        <p:nvSpPr>
+          <p:cNvPr id="2" name="Título 1"/>
+          <p:cNvSpPr>
+            <a:spLocks noGrp="1"/>
+          </p:cNvSpPr>
+          <p:nvPr>
+            <p:ph type="title"/>
+          </p:nvPr>
+        </p:nvSpPr>
+        <p:spPr/>
+        <p:txBody>
+          <a:bodyPr/>
+          <a:lstStyle/>
+          <a:p>
+            <a:r>
+              <a:rPr lang="en-CA" dirty="0" smtClean="0"/>
+              <a:t>Roles</a:t>
+            </a:r>
+            <a:endParaRPr lang="en-CA" dirty="0"/>
+          </a:p>
+        </p:txBody>
+      </p:sp>
+      <p:sp>
+        <p:nvSpPr>
+          <p:cNvPr id="3" name="Espaço Reservado para Conteúdo 2"/>
+          <p:cNvSpPr>
+            <a:spLocks noGrp="1"/>
+          </p:cNvSpPr>
+          <p:nvPr>
+            <p:ph idx="1"/>
+          </p:nvPr>
+        </p:nvSpPr>
+        <p:spPr/>
+        <p:txBody>
+          <a:bodyPr/>
+          <a:lstStyle/>
+          <a:p>
+            <a:r>
+              <a:rPr lang="en-CA" dirty="0" smtClean="0"/>
+              <a:t>Roberto Ito</a:t>
+            </a:r>
+          </a:p>
+          <a:p>
+            <a:pPr lvl="1"/>
+            <a:r>
+              <a:rPr lang="en-CA" dirty="0" smtClean="0"/>
+              <a:t>Designer</a:t>
+            </a:r>
+          </a:p>
+          <a:p>
+            <a:pPr lvl="1"/>
+            <a:r>
+              <a:rPr lang="en-CA" dirty="0" smtClean="0"/>
+              <a:t>Developer</a:t>
+            </a:r>
+          </a:p>
+          <a:p>
+            <a:pPr lvl="1"/>
+            <a:r>
+              <a:rPr lang="en-CA" dirty="0" smtClean="0"/>
+              <a:t>QA Tester</a:t>
+            </a:r>
+          </a:p>
+          <a:p>
+            <a:pPr lvl="1"/>
+            <a:endParaRPr lang="en-CA" dirty="0"/>
+          </a:p>
+          <a:p>
+            <a:r>
+              <a:rPr lang="en-CA" dirty="0" err="1" smtClean="0"/>
+              <a:t>Yayun</a:t>
+            </a:r>
+            <a:r>
+              <a:rPr lang="en-CA" dirty="0" smtClean="0"/>
+              <a:t> Yang</a:t>
+            </a:r>
+          </a:p>
+          <a:p>
+            <a:pPr lvl="1"/>
+            <a:r>
+              <a:rPr lang="en-CA" dirty="0" smtClean="0"/>
+              <a:t>Designer</a:t>
+            </a:r>
+          </a:p>
+          <a:p>
+            <a:pPr lvl="1"/>
+            <a:r>
+              <a:rPr lang="en-CA" dirty="0" smtClean="0"/>
+              <a:t>Developer</a:t>
+            </a:r>
+          </a:p>
+          <a:p>
+            <a:pPr lvl="1"/>
+            <a:r>
+              <a:rPr lang="en-CA" dirty="0" smtClean="0"/>
+              <a:t>QA Tester</a:t>
+            </a:r>
+          </a:p>
+        </p:txBody>
+      </p:sp>
+    </p:spTree>
+    <p:extLst>
+      <p:ext uri="{BB962C8B-B14F-4D97-AF65-F5344CB8AC3E}">
+        <p14:creationId xmlns:p14="http://schemas.microsoft.com/office/powerpoint/2010/main" val="21915647"/>
+      </p:ext>
+    </p:extLst>
+  </p:cSld>
+  <p:clrMapOvr>
+    <a:masterClrMapping/>
+  </p:clrMapOvr>
+</p:sld>
+</file>
+
+<file path=ppt/slides/slide3.xml><?xml version="1.0" encoding="utf-8"?>
 <p:sld xmlns:a="http://schemas.openxmlformats.org/drawingml/2006/main" xmlns:r="http://schemas.openxmlformats.org/officeDocument/2006/relationships" xmlns:p="http://schemas.openxmlformats.org/presentationml/2006/main">
   <p:cSld>
     <p:spTree>
@@ -8057,7 +8542,7 @@
 </p:sld>
 </file>
 
-<file path=ppt/slides/slide3.xml><?xml version="1.0" encoding="utf-8"?>
+<file path=ppt/slides/slide4.xml><?xml version="1.0" encoding="utf-8"?>
 <p:sld xmlns:a="http://schemas.openxmlformats.org/drawingml/2006/main" xmlns:r="http://schemas.openxmlformats.org/officeDocument/2006/relationships" xmlns:p="http://schemas.openxmlformats.org/presentationml/2006/main">
   <p:cSld>
     <p:spTree>
@@ -8226,7 +8711,7 @@
 </p:sld>
 </file>
 
-<file path=ppt/slides/slide4.xml><?xml version="1.0" encoding="utf-8"?>
+<file path=ppt/slides/slide5.xml><?xml version="1.0" encoding="utf-8"?>
 <p:sld xmlns:a="http://schemas.openxmlformats.org/drawingml/2006/main" xmlns:r="http://schemas.openxmlformats.org/officeDocument/2006/relationships" xmlns:p="http://schemas.openxmlformats.org/presentationml/2006/main">
   <p:cSld>
     <p:spTree>
@@ -8358,7 +8843,7 @@
 </p:sld>
 </file>
 
-<file path=ppt/slides/slide5.xml><?xml version="1.0" encoding="utf-8"?>
+<file path=ppt/slides/slide6.xml><?xml version="1.0" encoding="utf-8"?>
 <p:sld xmlns:a="http://schemas.openxmlformats.org/drawingml/2006/main" xmlns:r="http://schemas.openxmlformats.org/officeDocument/2006/relationships" xmlns:p="http://schemas.openxmlformats.org/presentationml/2006/main">
   <p:cSld>
     <p:spTree>
@@ -8618,7 +9103,7 @@
 </p:sld>
 </file>
 
-<file path=ppt/slides/slide6.xml><?xml version="1.0" encoding="utf-8"?>
+<file path=ppt/slides/slide7.xml><?xml version="1.0" encoding="utf-8"?>
 <p:sld xmlns:a="http://schemas.openxmlformats.org/drawingml/2006/main" xmlns:r="http://schemas.openxmlformats.org/officeDocument/2006/relationships" xmlns:p="http://schemas.openxmlformats.org/presentationml/2006/main">
   <p:cSld>
     <p:spTree>
@@ -8787,7 +9272,7 @@
 </p:sld>
 </file>
 
-<file path=ppt/slides/slide7.xml><?xml version="1.0" encoding="utf-8"?>
+<file path=ppt/slides/slide8.xml><?xml version="1.0" encoding="utf-8"?>
 <p:sld xmlns:a="http://schemas.openxmlformats.org/drawingml/2006/main" xmlns:r="http://schemas.openxmlformats.org/officeDocument/2006/relationships" xmlns:p="http://schemas.openxmlformats.org/presentationml/2006/main">
   <p:cSld>
     <p:spTree>
@@ -8926,7 +9411,7 @@
 </p:sld>
 </file>
 
-<file path=ppt/slides/slide8.xml><?xml version="1.0" encoding="utf-8"?>
+<file path=ppt/slides/slide9.xml><?xml version="1.0" encoding="utf-8"?>
 <p:sld xmlns:a="http://schemas.openxmlformats.org/drawingml/2006/main" xmlns:r="http://schemas.openxmlformats.org/officeDocument/2006/relationships" xmlns:p="http://schemas.openxmlformats.org/presentationml/2006/main">
   <p:cSld>
     <p:spTree>
@@ -9111,134 +9596,6 @@
           </a:ln>
         </p:spPr>
       </p:pic>
-    </p:spTree>
-  </p:cSld>
-  <p:clrMapOvr>
-    <a:masterClrMapping/>
-  </p:clrMapOvr>
-  <p:timing>
-    <p:tnLst>
-      <p:par>
-        <p:cTn id="1" dur="indefinite" restart="never" nodeType="tmRoot"/>
-      </p:par>
-    </p:tnLst>
-  </p:timing>
-</p:sld>
-</file>
-
-<file path=ppt/slides/slide9.xml><?xml version="1.0" encoding="utf-8"?>
-<p:sld xmlns:a="http://schemas.openxmlformats.org/drawingml/2006/main" xmlns:r="http://schemas.openxmlformats.org/officeDocument/2006/relationships" xmlns:p="http://schemas.openxmlformats.org/presentationml/2006/main">
-  <p:cSld>
-    <p:spTree>
-      <p:nvGrpSpPr>
-        <p:cNvPr id="1" name="Shape 108"/>
-        <p:cNvGrpSpPr/>
-        <p:nvPr/>
-      </p:nvGrpSpPr>
-      <p:grpSpPr>
-        <a:xfrm>
-          <a:off x="0" y="0"/>
-          <a:ext cx="0" cy="0"/>
-          <a:chOff x="0" y="0"/>
-          <a:chExt cx="0" cy="0"/>
-        </a:xfrm>
-      </p:grpSpPr>
-      <p:sp>
-        <p:nvSpPr>
-          <p:cNvPr id="109" name="Google Shape;109;p21"/>
-          <p:cNvSpPr txBox="1">
-            <a:spLocks noGrp="1"/>
-          </p:cNvSpPr>
-          <p:nvPr>
-            <p:ph type="title"/>
-          </p:nvPr>
-        </p:nvSpPr>
-        <p:spPr>
-          <a:prstGeom prst="rect">
-            <a:avLst/>
-          </a:prstGeom>
-        </p:spPr>
-        <p:txBody>
-          <a:bodyPr spcFirstLastPara="1" wrap="square" lIns="91425" tIns="91425" rIns="91425" bIns="91425" anchor="t" anchorCtr="0">
-            <a:noAutofit/>
-          </a:bodyPr>
-          <a:lstStyle/>
-          <a:p>
-            <a:pPr marL="0" lvl="0" indent="0" algn="l" rtl="0">
-              <a:spcBef>
-                <a:spcPts val="0"/>
-              </a:spcBef>
-              <a:spcAft>
-                <a:spcPts val="0"/>
-              </a:spcAft>
-              <a:buNone/>
-            </a:pPr>
-            <a:r>
-              <a:rPr lang="en"/>
-              <a:t>Game link</a:t>
-            </a:r>
-            <a:endParaRPr/>
-          </a:p>
-        </p:txBody>
-      </p:sp>
-      <p:sp>
-        <p:nvSpPr>
-          <p:cNvPr id="110" name="Google Shape;110;p21"/>
-          <p:cNvSpPr txBox="1">
-            <a:spLocks noGrp="1"/>
-          </p:cNvSpPr>
-          <p:nvPr>
-            <p:ph type="body" idx="1"/>
-          </p:nvPr>
-        </p:nvSpPr>
-        <p:spPr>
-          <a:prstGeom prst="rect">
-            <a:avLst/>
-          </a:prstGeom>
-        </p:spPr>
-        <p:txBody>
-          <a:bodyPr spcFirstLastPara="1" wrap="square" lIns="91425" tIns="91425" rIns="91425" bIns="91425" anchor="t" anchorCtr="0">
-            <a:noAutofit/>
-          </a:bodyPr>
-          <a:lstStyle/>
-          <a:p>
-            <a:pPr marL="0" lvl="0" indent="0" algn="l" rtl="0">
-              <a:spcBef>
-                <a:spcPts val="0"/>
-              </a:spcBef>
-              <a:spcAft>
-                <a:spcPts val="0"/>
-              </a:spcAft>
-              <a:buNone/>
-            </a:pPr>
-            <a:endParaRPr dirty="0"/>
-          </a:p>
-          <a:p>
-            <a:pPr marL="0" lvl="0" indent="0" algn="l" rtl="0">
-              <a:spcBef>
-                <a:spcPts val="1600"/>
-              </a:spcBef>
-              <a:spcAft>
-                <a:spcPts val="1600"/>
-              </a:spcAft>
-              <a:buNone/>
-            </a:pPr>
-            <a:r>
-              <a:rPr lang="en" sz="1800" dirty="0">
-                <a:solidFill>
-                  <a:srgbClr val="0366D6"/>
-                </a:solidFill>
-                <a:uFill>
-                  <a:noFill/>
-                </a:uFill>
-                <a:hlinkClick r:id="rId3"/>
-              </a:rPr>
-              <a:t>https://robertoito.github.io/SP_FB/</a:t>
-            </a:r>
-            <a:endParaRPr sz="1800" dirty="0"/>
-          </a:p>
-        </p:txBody>
-      </p:sp>
     </p:spTree>
   </p:cSld>
   <p:clrMapOvr>

--- a/COMP 397 - Project Presentation.pptx
+++ b/COMP 397 - Project Presentation.pptx
@@ -5,7 +5,7 @@
     <p:sldMasterId id="2147483660" r:id="rId1"/>
   </p:sldMasterIdLst>
   <p:notesMasterIdLst>
-    <p:notesMasterId r:id="rId15"/>
+    <p:notesMasterId r:id="rId16"/>
   </p:notesMasterIdLst>
   <p:sldIdLst>
     <p:sldId id="256" r:id="rId2"/>
@@ -20,7 +20,8 @@
     <p:sldId id="266" r:id="rId11"/>
     <p:sldId id="267" r:id="rId12"/>
     <p:sldId id="268" r:id="rId13"/>
-    <p:sldId id="264" r:id="rId14"/>
+    <p:sldId id="269" r:id="rId14"/>
+    <p:sldId id="264" r:id="rId15"/>
   </p:sldIdLst>
   <p:sldSz cx="9144000" cy="5143500" type="screen16x9"/>
   <p:notesSz cx="6858000" cy="9144000"/>
@@ -8131,13 +8132,257 @@
         </p:nvSpPr>
         <p:spPr/>
         <p:txBody>
-          <a:bodyPr/>
+          <a:bodyPr>
+            <a:normAutofit/>
+          </a:bodyPr>
           <a:lstStyle/>
           <a:p>
+            <a:pPr marL="114300" indent="0">
+              <a:buNone/>
+            </a:pPr>
+            <a:r>
+              <a:rPr lang="en-US" sz="1400" dirty="0"/>
+              <a:t>Container</a:t>
+            </a:r>
+            <a:endParaRPr lang="en-CA" sz="1400" dirty="0"/>
+          </a:p>
+          <a:p>
+            <a:pPr marL="114300" indent="0">
+              <a:buNone/>
+            </a:pPr>
+            <a:r>
+              <a:rPr lang="en-US" sz="1400" dirty="0"/>
+              <a:t>	Methods: </a:t>
+            </a:r>
+            <a:endParaRPr lang="en-CA" sz="1400" dirty="0"/>
+          </a:p>
+          <a:p>
+            <a:pPr marL="1005840" lvl="3" indent="-171450">
+              <a:spcBef>
+                <a:spcPts val="0"/>
+              </a:spcBef>
+              <a:buFont typeface="Arial" panose="020B0604020202020204" pitchFamily="34" charset="0"/>
+              <a:buChar char="•"/>
+            </a:pPr>
+            <a:r>
+              <a:rPr lang="en-US" sz="1400" dirty="0" err="1"/>
+              <a:t>addChild</a:t>
+            </a:r>
+            <a:endParaRPr lang="en-CA" sz="1400" dirty="0"/>
+          </a:p>
+          <a:p>
+            <a:pPr marL="1005840" lvl="3" indent="-171450">
+              <a:spcBef>
+                <a:spcPts val="0"/>
+              </a:spcBef>
+              <a:buFont typeface="Arial" panose="020B0604020202020204" pitchFamily="34" charset="0"/>
+              <a:buChar char="•"/>
+            </a:pPr>
+            <a:r>
+              <a:rPr lang="en-US" sz="1400" dirty="0" err="1"/>
+              <a:t>dispatchEvent</a:t>
+            </a:r>
+            <a:endParaRPr lang="en-CA" sz="1400" dirty="0"/>
+          </a:p>
+          <a:p>
+            <a:pPr marL="1005840" lvl="3" indent="-171450">
+              <a:spcBef>
+                <a:spcPts val="0"/>
+              </a:spcBef>
+              <a:buFont typeface="Arial" panose="020B0604020202020204" pitchFamily="34" charset="0"/>
+              <a:buChar char="•"/>
+            </a:pPr>
+            <a:r>
+              <a:rPr lang="en-US" sz="1400" dirty="0" err="1"/>
+              <a:t>getBounds</a:t>
+            </a:r>
+            <a:endParaRPr lang="en-CA" sz="1400" dirty="0"/>
+          </a:p>
+          <a:p>
+            <a:pPr marL="1005840" lvl="3" indent="-171450">
+              <a:spcBef>
+                <a:spcPts val="0"/>
+              </a:spcBef>
+              <a:buFont typeface="Arial" panose="020B0604020202020204" pitchFamily="34" charset="0"/>
+              <a:buChar char="•"/>
+            </a:pPr>
+            <a:r>
+              <a:rPr lang="en-US" sz="1400" dirty="0" err="1"/>
+              <a:t>getChildAt</a:t>
+            </a:r>
+            <a:endParaRPr lang="en-CA" sz="1400" dirty="0"/>
+          </a:p>
+          <a:p>
+            <a:pPr marL="1005840" lvl="3" indent="-171450">
+              <a:spcBef>
+                <a:spcPts val="0"/>
+              </a:spcBef>
+              <a:buFont typeface="Arial" panose="020B0604020202020204" pitchFamily="34" charset="0"/>
+              <a:buChar char="•"/>
+            </a:pPr>
+            <a:r>
+              <a:rPr lang="en-US" sz="1400" dirty="0" err="1" smtClean="0"/>
+              <a:t>removeChild</a:t>
+            </a:r>
+            <a:endParaRPr lang="en-CA" sz="1400" dirty="0"/>
+          </a:p>
+          <a:p>
+            <a:pPr marL="377190" lvl="2" indent="0">
+              <a:spcBef>
+                <a:spcPts val="0"/>
+              </a:spcBef>
+              <a:buNone/>
+            </a:pPr>
+            <a:r>
+              <a:rPr lang="en-US" sz="1550" dirty="0" smtClean="0"/>
+              <a:t>Properties</a:t>
+            </a:r>
+            <a:r>
+              <a:rPr lang="en-US" sz="1550" dirty="0"/>
+              <a:t>:</a:t>
+            </a:r>
+            <a:endParaRPr lang="en-CA" sz="1550" dirty="0"/>
+          </a:p>
+          <a:p>
+            <a:pPr marL="1005840" lvl="3" indent="-171450">
+              <a:spcBef>
+                <a:spcPts val="0"/>
+              </a:spcBef>
+              <a:buFont typeface="Arial" panose="020B0604020202020204" pitchFamily="34" charset="0"/>
+              <a:buChar char="•"/>
+            </a:pPr>
+            <a:r>
+              <a:rPr lang="en-US" sz="1400" dirty="0"/>
+              <a:t>x</a:t>
+            </a:r>
+            <a:endParaRPr lang="en-CA" sz="1400" dirty="0"/>
+          </a:p>
+          <a:p>
+            <a:pPr marL="1005840" lvl="3" indent="-171450">
+              <a:spcBef>
+                <a:spcPts val="0"/>
+              </a:spcBef>
+              <a:buFont typeface="Arial" panose="020B0604020202020204" pitchFamily="34" charset="0"/>
+              <a:buChar char="•"/>
+            </a:pPr>
+            <a:r>
+              <a:rPr lang="en-US" sz="1400" dirty="0"/>
+              <a:t>y</a:t>
+            </a:r>
+            <a:endParaRPr lang="en-CA" sz="1400" dirty="0"/>
+          </a:p>
+          <a:p>
+            <a:pPr marL="114300" indent="0">
+              <a:buNone/>
+            </a:pPr>
+            <a:r>
+              <a:rPr lang="en-US" sz="1400" dirty="0"/>
+              <a:t> </a:t>
+            </a:r>
+            <a:endParaRPr lang="en-CA" sz="1400" dirty="0"/>
+          </a:p>
+          <a:p>
+            <a:pPr marL="114300" indent="0">
+              <a:buNone/>
+            </a:pPr>
+            <a:r>
+              <a:rPr lang="en-US" sz="1400" dirty="0" err="1"/>
+              <a:t>EventDispatcher</a:t>
+            </a:r>
+            <a:endParaRPr lang="en-CA" sz="1400" dirty="0"/>
+          </a:p>
+          <a:p>
+            <a:pPr marL="114300" indent="0">
+              <a:buNone/>
+            </a:pPr>
+            <a:r>
+              <a:rPr lang="en-US" sz="1400" dirty="0"/>
+              <a:t>	Methods: </a:t>
+            </a:r>
+            <a:endParaRPr lang="en-CA" sz="1400" dirty="0"/>
+          </a:p>
+          <a:p>
+            <a:pPr lvl="1">
+              <a:spcBef>
+                <a:spcPts val="0"/>
+              </a:spcBef>
+              <a:buFont typeface="Arial" panose="020B0604020202020204" pitchFamily="34" charset="0"/>
+              <a:buChar char="•"/>
+            </a:pPr>
+            <a:r>
+              <a:rPr lang="en-US" sz="1400" dirty="0" err="1"/>
+              <a:t>dispatchEvent</a:t>
+            </a:r>
+            <a:endParaRPr lang="en-CA" sz="1400" dirty="0"/>
+          </a:p>
+          <a:p>
+            <a:pPr marL="114300" indent="0">
+              <a:buNone/>
+            </a:pPr>
             <a:endParaRPr lang="en-CA" dirty="0"/>
           </a:p>
         </p:txBody>
       </p:sp>
+      <p:pic>
+        <p:nvPicPr>
+          <p:cNvPr id="4" name="Imagem 3"/>
+          <p:cNvPicPr>
+            <a:picLocks noChangeAspect="1"/>
+          </p:cNvPicPr>
+          <p:nvPr/>
+        </p:nvPicPr>
+        <p:blipFill>
+          <a:blip r:embed="rId2">
+            <a:extLst>
+              <a:ext uri="{28A0092B-C50C-407E-A947-70E740481C1C}">
+                <a14:useLocalDpi xmlns:a14="http://schemas.microsoft.com/office/drawing/2010/main" val="0"/>
+              </a:ext>
+            </a:extLst>
+          </a:blip>
+          <a:stretch>
+            <a:fillRect/>
+          </a:stretch>
+        </p:blipFill>
+        <p:spPr>
+          <a:xfrm>
+            <a:off x="3385279" y="1264228"/>
+            <a:ext cx="3382376" cy="1738732"/>
+          </a:xfrm>
+          <a:prstGeom prst="rect">
+            <a:avLst/>
+          </a:prstGeom>
+        </p:spPr>
+      </p:pic>
+      <p:pic>
+        <p:nvPicPr>
+          <p:cNvPr id="5" name="Imagem 4"/>
+          <p:cNvPicPr>
+            <a:picLocks noChangeAspect="1"/>
+          </p:cNvPicPr>
+          <p:nvPr/>
+        </p:nvPicPr>
+        <p:blipFill>
+          <a:blip r:embed="rId3">
+            <a:extLst>
+              <a:ext uri="{28A0092B-C50C-407E-A947-70E740481C1C}">
+                <a14:useLocalDpi xmlns:a14="http://schemas.microsoft.com/office/drawing/2010/main" val="0"/>
+              </a:ext>
+            </a:extLst>
+          </a:blip>
+          <a:stretch>
+            <a:fillRect/>
+          </a:stretch>
+        </p:blipFill>
+        <p:spPr>
+          <a:xfrm>
+            <a:off x="3385279" y="3137710"/>
+            <a:ext cx="4629255" cy="1784032"/>
+          </a:xfrm>
+          <a:prstGeom prst="rect">
+            <a:avLst/>
+          </a:prstGeom>
+        </p:spPr>
+      </p:pic>
     </p:spTree>
     <p:extLst>
       <p:ext uri="{BB962C8B-B14F-4D97-AF65-F5344CB8AC3E}">
@@ -8152,6 +8397,311 @@
 </file>
 
 <file path=ppt/slides/slide13.xml><?xml version="1.0" encoding="utf-8"?>
+<p:sld xmlns:a="http://schemas.openxmlformats.org/drawingml/2006/main" xmlns:r="http://schemas.openxmlformats.org/officeDocument/2006/relationships" xmlns:p="http://schemas.openxmlformats.org/presentationml/2006/main">
+  <p:cSld>
+    <p:spTree>
+      <p:nvGrpSpPr>
+        <p:cNvPr id="1" name=""/>
+        <p:cNvGrpSpPr/>
+        <p:nvPr/>
+      </p:nvGrpSpPr>
+      <p:grpSpPr>
+        <a:xfrm>
+          <a:off x="0" y="0"/>
+          <a:ext cx="0" cy="0"/>
+          <a:chOff x="0" y="0"/>
+          <a:chExt cx="0" cy="0"/>
+        </a:xfrm>
+      </p:grpSpPr>
+      <p:sp>
+        <p:nvSpPr>
+          <p:cNvPr id="2" name="Título 1"/>
+          <p:cNvSpPr>
+            <a:spLocks noGrp="1"/>
+          </p:cNvSpPr>
+          <p:nvPr>
+            <p:ph type="title"/>
+          </p:nvPr>
+        </p:nvSpPr>
+        <p:spPr/>
+        <p:txBody>
+          <a:bodyPr>
+            <a:normAutofit fontScale="90000"/>
+          </a:bodyPr>
+          <a:lstStyle/>
+          <a:p>
+            <a:r>
+              <a:rPr lang="en-CA" dirty="0" smtClean="0"/>
+              <a:t>Classes</a:t>
+            </a:r>
+            <a:endParaRPr lang="en-CA" dirty="0"/>
+          </a:p>
+        </p:txBody>
+      </p:sp>
+      <p:sp>
+        <p:nvSpPr>
+          <p:cNvPr id="3" name="Espaço Reservado para Texto 2"/>
+          <p:cNvSpPr>
+            <a:spLocks noGrp="1"/>
+          </p:cNvSpPr>
+          <p:nvPr>
+            <p:ph type="body" idx="1"/>
+          </p:nvPr>
+        </p:nvSpPr>
+        <p:spPr/>
+        <p:txBody>
+          <a:bodyPr>
+            <a:normAutofit/>
+          </a:bodyPr>
+          <a:lstStyle/>
+          <a:p>
+            <a:pPr marL="114300" indent="0">
+              <a:buNone/>
+            </a:pPr>
+            <a:r>
+              <a:rPr lang="en-US" sz="1400" dirty="0"/>
+              <a:t>Sprite</a:t>
+            </a:r>
+            <a:endParaRPr lang="en-CA" sz="1400" dirty="0"/>
+          </a:p>
+          <a:p>
+            <a:pPr marL="114300" indent="0">
+              <a:buNone/>
+            </a:pPr>
+            <a:r>
+              <a:rPr lang="en-US" sz="1400" dirty="0"/>
+              <a:t>	Methods:</a:t>
+            </a:r>
+            <a:endParaRPr lang="en-CA" sz="1400" dirty="0"/>
+          </a:p>
+          <a:p>
+            <a:pPr lvl="1">
+              <a:spcBef>
+                <a:spcPts val="0"/>
+              </a:spcBef>
+              <a:buFont typeface="Arial" panose="020B0604020202020204" pitchFamily="34" charset="0"/>
+              <a:buChar char="•"/>
+            </a:pPr>
+            <a:r>
+              <a:rPr lang="en-US" sz="1400" dirty="0" err="1"/>
+              <a:t>dispatchEvent</a:t>
+            </a:r>
+            <a:endParaRPr lang="en-CA" sz="1400" dirty="0"/>
+          </a:p>
+          <a:p>
+            <a:pPr lvl="1">
+              <a:spcBef>
+                <a:spcPts val="0"/>
+              </a:spcBef>
+              <a:buFont typeface="Arial" panose="020B0604020202020204" pitchFamily="34" charset="0"/>
+              <a:buChar char="•"/>
+            </a:pPr>
+            <a:r>
+              <a:rPr lang="en-US" sz="1400" dirty="0" err="1"/>
+              <a:t>getBounds</a:t>
+            </a:r>
+            <a:endParaRPr lang="en-CA" sz="1400" dirty="0"/>
+          </a:p>
+          <a:p>
+            <a:pPr lvl="1">
+              <a:spcBef>
+                <a:spcPts val="0"/>
+              </a:spcBef>
+              <a:buFont typeface="Arial" panose="020B0604020202020204" pitchFamily="34" charset="0"/>
+              <a:buChar char="•"/>
+            </a:pPr>
+            <a:r>
+              <a:rPr lang="en-US" sz="1400" dirty="0" err="1"/>
+              <a:t>gotoAndPlay</a:t>
+            </a:r>
+            <a:endParaRPr lang="en-CA" sz="1400" dirty="0"/>
+          </a:p>
+          <a:p>
+            <a:pPr lvl="1">
+              <a:spcBef>
+                <a:spcPts val="0"/>
+              </a:spcBef>
+              <a:buFont typeface="Arial" panose="020B0604020202020204" pitchFamily="34" charset="0"/>
+              <a:buChar char="•"/>
+            </a:pPr>
+            <a:r>
+              <a:rPr lang="en-US" sz="1400" dirty="0" err="1"/>
+              <a:t>gotoAndStop</a:t>
+            </a:r>
+            <a:endParaRPr lang="en-CA" sz="1400" dirty="0"/>
+          </a:p>
+          <a:p>
+            <a:pPr lvl="1">
+              <a:spcBef>
+                <a:spcPts val="0"/>
+              </a:spcBef>
+              <a:buFont typeface="Arial" panose="020B0604020202020204" pitchFamily="34" charset="0"/>
+              <a:buChar char="•"/>
+            </a:pPr>
+            <a:r>
+              <a:rPr lang="en-US" sz="1400" dirty="0"/>
+              <a:t>on</a:t>
+            </a:r>
+            <a:endParaRPr lang="en-CA" sz="1400" dirty="0"/>
+          </a:p>
+          <a:p>
+            <a:pPr lvl="1">
+              <a:spcBef>
+                <a:spcPts val="0"/>
+              </a:spcBef>
+              <a:buFont typeface="Arial" panose="020B0604020202020204" pitchFamily="34" charset="0"/>
+              <a:buChar char="•"/>
+            </a:pPr>
+            <a:r>
+              <a:rPr lang="en-US" sz="1400" dirty="0"/>
+              <a:t>stop</a:t>
+            </a:r>
+            <a:endParaRPr lang="en-CA" sz="1400" dirty="0"/>
+          </a:p>
+          <a:p>
+            <a:pPr marL="114300" indent="0">
+              <a:buNone/>
+            </a:pPr>
+            <a:r>
+              <a:rPr lang="en-US" sz="1400" dirty="0" smtClean="0"/>
+              <a:t>	Properties</a:t>
+            </a:r>
+            <a:r>
+              <a:rPr lang="en-US" sz="1400" dirty="0"/>
+              <a:t>:</a:t>
+            </a:r>
+            <a:endParaRPr lang="en-CA" sz="1400" dirty="0"/>
+          </a:p>
+          <a:p>
+            <a:pPr lvl="1">
+              <a:spcBef>
+                <a:spcPts val="0"/>
+              </a:spcBef>
+              <a:buFont typeface="Arial" panose="020B0604020202020204" pitchFamily="34" charset="0"/>
+              <a:buChar char="•"/>
+            </a:pPr>
+            <a:r>
+              <a:rPr lang="en-US" sz="1400" dirty="0"/>
+              <a:t>alpha</a:t>
+            </a:r>
+            <a:endParaRPr lang="en-CA" sz="1400" dirty="0"/>
+          </a:p>
+          <a:p>
+            <a:pPr lvl="1">
+              <a:spcBef>
+                <a:spcPts val="0"/>
+              </a:spcBef>
+              <a:buFont typeface="Arial" panose="020B0604020202020204" pitchFamily="34" charset="0"/>
+              <a:buChar char="•"/>
+            </a:pPr>
+            <a:r>
+              <a:rPr lang="en-US" sz="1400" dirty="0"/>
+              <a:t>paused</a:t>
+            </a:r>
+            <a:endParaRPr lang="en-CA" sz="1400" dirty="0"/>
+          </a:p>
+          <a:p>
+            <a:pPr lvl="1">
+              <a:spcBef>
+                <a:spcPts val="0"/>
+              </a:spcBef>
+              <a:buFont typeface="Arial" panose="020B0604020202020204" pitchFamily="34" charset="0"/>
+              <a:buChar char="•"/>
+            </a:pPr>
+            <a:r>
+              <a:rPr lang="en-US" sz="1400" dirty="0" err="1"/>
+              <a:t>regX</a:t>
+            </a:r>
+            <a:endParaRPr lang="en-CA" sz="1400" dirty="0"/>
+          </a:p>
+          <a:p>
+            <a:pPr lvl="1">
+              <a:spcBef>
+                <a:spcPts val="0"/>
+              </a:spcBef>
+              <a:buFont typeface="Arial" panose="020B0604020202020204" pitchFamily="34" charset="0"/>
+              <a:buChar char="•"/>
+            </a:pPr>
+            <a:r>
+              <a:rPr lang="en-US" sz="1400" dirty="0" err="1"/>
+              <a:t>regY</a:t>
+            </a:r>
+            <a:endParaRPr lang="en-CA" sz="1400" dirty="0"/>
+          </a:p>
+          <a:p>
+            <a:pPr lvl="1">
+              <a:spcBef>
+                <a:spcPts val="0"/>
+              </a:spcBef>
+              <a:buFont typeface="Arial" panose="020B0604020202020204" pitchFamily="34" charset="0"/>
+              <a:buChar char="•"/>
+            </a:pPr>
+            <a:r>
+              <a:rPr lang="en-US" sz="1400" dirty="0"/>
+              <a:t>x</a:t>
+            </a:r>
+            <a:endParaRPr lang="en-CA" sz="1400" dirty="0"/>
+          </a:p>
+          <a:p>
+            <a:pPr lvl="1">
+              <a:spcBef>
+                <a:spcPts val="0"/>
+              </a:spcBef>
+              <a:buFont typeface="Arial" panose="020B0604020202020204" pitchFamily="34" charset="0"/>
+              <a:buChar char="•"/>
+            </a:pPr>
+            <a:r>
+              <a:rPr lang="en-US" sz="1400" dirty="0"/>
+              <a:t>y</a:t>
+            </a:r>
+            <a:endParaRPr lang="en-CA" sz="1400" dirty="0"/>
+          </a:p>
+        </p:txBody>
+      </p:sp>
+      <p:pic>
+        <p:nvPicPr>
+          <p:cNvPr id="4" name="Imagem 3"/>
+          <p:cNvPicPr>
+            <a:picLocks noChangeAspect="1"/>
+          </p:cNvPicPr>
+          <p:nvPr/>
+        </p:nvPicPr>
+        <p:blipFill>
+          <a:blip r:embed="rId2">
+            <a:extLst>
+              <a:ext uri="{28A0092B-C50C-407E-A947-70E740481C1C}">
+                <a14:useLocalDpi xmlns:a14="http://schemas.microsoft.com/office/drawing/2010/main" val="0"/>
+              </a:ext>
+            </a:extLst>
+          </a:blip>
+          <a:stretch>
+            <a:fillRect/>
+          </a:stretch>
+        </p:blipFill>
+        <p:spPr>
+          <a:xfrm>
+            <a:off x="3299623" y="1746250"/>
+            <a:ext cx="4829175" cy="2228850"/>
+          </a:xfrm>
+          <a:prstGeom prst="rect">
+            <a:avLst/>
+          </a:prstGeom>
+        </p:spPr>
+      </p:pic>
+    </p:spTree>
+    <p:extLst>
+      <p:ext uri="{BB962C8B-B14F-4D97-AF65-F5344CB8AC3E}">
+        <p14:creationId xmlns:p14="http://schemas.microsoft.com/office/powerpoint/2010/main" val="207422385"/>
+      </p:ext>
+    </p:extLst>
+  </p:cSld>
+  <p:clrMapOvr>
+    <a:masterClrMapping/>
+  </p:clrMapOvr>
+</p:sld>
+</file>
+
+<file path=ppt/slides/slide14.xml><?xml version="1.0" encoding="utf-8"?>
 <p:sld xmlns:a="http://schemas.openxmlformats.org/drawingml/2006/main" xmlns:r="http://schemas.openxmlformats.org/officeDocument/2006/relationships" xmlns:p="http://schemas.openxmlformats.org/presentationml/2006/main">
   <p:cSld>
     <p:spTree>

--- a/COMP 397 - Project Presentation.pptx
+++ b/COMP 397 - Project Presentation.pptx
@@ -2092,7 +2092,7 @@
           </a:lstStyle>
           <a:p>
             <a:r>
-              <a:rPr lang="pt-BR" smtClean="0"/>
+              <a:rPr lang="pt-BR"/>
               <a:t>Clique para editar o título mestre</a:t>
             </a:r>
             <a:endParaRPr lang="en-US" dirty="0"/>
@@ -2212,7 +2212,7 @@
           </a:lstStyle>
           <a:p>
             <a:r>
-              <a:rPr lang="pt-BR" smtClean="0"/>
+              <a:rPr lang="pt-BR"/>
               <a:t>Clique para editar o estilo do subtítulo Mestre</a:t>
             </a:r>
             <a:endParaRPr lang="en-US" dirty="0"/>
@@ -2237,7 +2237,7 @@
             <a:fld id="{B61BEF0D-F0BB-DE4B-95CE-6DB70DBA9567}" type="datetimeFigureOut">
               <a:rPr lang="en-US" dirty="0"/>
               <a:pPr/>
-              <a:t>4/9/2019</a:t>
+              <a:t>4/12/2019</a:t>
             </a:fld>
             <a:endParaRPr lang="en-US" dirty="0"/>
           </a:p>
@@ -2288,7 +2288,7 @@
             </a:pPr>
             <a:fld id="{00000000-1234-1234-1234-123412341234}" type="slidenum">
               <a:rPr lang="en-CA" smtClean="0"/>
-              <a:t>‹nº›</a:t>
+              <a:t>‹#›</a:t>
             </a:fld>
             <a:endParaRPr lang="en-CA"/>
           </a:p>
@@ -2352,7 +2352,7 @@
           </a:lstStyle>
           <a:p>
             <a:r>
-              <a:rPr lang="pt-BR" smtClean="0"/>
+              <a:rPr lang="pt-BR"/>
               <a:t>Clique para editar o título mestre</a:t>
             </a:r>
             <a:endParaRPr lang="en-US" dirty="0"/>
@@ -2475,7 +2475,7 @@
           <a:p>
             <a:pPr lvl="0"/>
             <a:r>
-              <a:rPr lang="pt-BR" smtClean="0"/>
+              <a:rPr lang="pt-BR"/>
               <a:t>Editar estilos de texto Mestre</a:t>
             </a:r>
           </a:p>
@@ -2499,7 +2499,7 @@
             <a:fld id="{B61BEF0D-F0BB-DE4B-95CE-6DB70DBA9567}" type="datetimeFigureOut">
               <a:rPr lang="en-US" dirty="0"/>
               <a:pPr/>
-              <a:t>4/9/2019</a:t>
+              <a:t>4/12/2019</a:t>
             </a:fld>
             <a:endParaRPr lang="en-US" dirty="0"/>
           </a:p>
@@ -2550,7 +2550,7 @@
             </a:pPr>
             <a:fld id="{00000000-1234-1234-1234-123412341234}" type="slidenum">
               <a:rPr lang="en-CA" smtClean="0"/>
-              <a:t>‹nº›</a:t>
+              <a:t>‹#›</a:t>
             </a:fld>
             <a:endParaRPr lang="en-CA"/>
           </a:p>
@@ -2614,7 +2614,7 @@
           </a:lstStyle>
           <a:p>
             <a:r>
-              <a:rPr lang="pt-BR" smtClean="0"/>
+              <a:rPr lang="pt-BR"/>
               <a:t>Clique para editar o título mestre</a:t>
             </a:r>
             <a:endParaRPr lang="en-US" dirty="0"/>
@@ -2678,7 +2678,7 @@
           <a:p>
             <a:pPr lvl="0"/>
             <a:r>
-              <a:rPr lang="pt-BR" smtClean="0"/>
+              <a:rPr lang="pt-BR"/>
               <a:t>Editar estilos de texto Mestre</a:t>
             </a:r>
           </a:p>
@@ -2800,7 +2800,7 @@
           <a:p>
             <a:pPr lvl="0"/>
             <a:r>
-              <a:rPr lang="pt-BR" smtClean="0"/>
+              <a:rPr lang="pt-BR"/>
               <a:t>Editar estilos de texto Mestre</a:t>
             </a:r>
           </a:p>
@@ -2824,7 +2824,7 @@
             <a:fld id="{B61BEF0D-F0BB-DE4B-95CE-6DB70DBA9567}" type="datetimeFigureOut">
               <a:rPr lang="en-US" dirty="0"/>
               <a:pPr/>
-              <a:t>4/9/2019</a:t>
+              <a:t>4/12/2019</a:t>
             </a:fld>
             <a:endParaRPr lang="en-US" dirty="0"/>
           </a:p>
@@ -2875,7 +2875,7 @@
             </a:pPr>
             <a:fld id="{00000000-1234-1234-1234-123412341234}" type="slidenum">
               <a:rPr lang="en-CA" smtClean="0"/>
-              <a:t>‹nº›</a:t>
+              <a:t>‹#›</a:t>
             </a:fld>
             <a:endParaRPr lang="en-CA"/>
           </a:p>
@@ -3029,7 +3029,7 @@
           </a:lstStyle>
           <a:p>
             <a:r>
-              <a:rPr lang="pt-BR" smtClean="0"/>
+              <a:rPr lang="pt-BR"/>
               <a:t>Clique para editar o título mestre</a:t>
             </a:r>
             <a:endParaRPr lang="en-US" dirty="0"/>
@@ -3152,7 +3152,7 @@
           <a:p>
             <a:pPr lvl="0"/>
             <a:r>
-              <a:rPr lang="pt-BR" smtClean="0"/>
+              <a:rPr lang="pt-BR"/>
               <a:t>Editar estilos de texto Mestre</a:t>
             </a:r>
           </a:p>
@@ -3176,7 +3176,7 @@
             <a:fld id="{B61BEF0D-F0BB-DE4B-95CE-6DB70DBA9567}" type="datetimeFigureOut">
               <a:rPr lang="en-US" dirty="0"/>
               <a:pPr/>
-              <a:t>4/9/2019</a:t>
+              <a:t>4/12/2019</a:t>
             </a:fld>
             <a:endParaRPr lang="en-US" dirty="0"/>
           </a:p>
@@ -3227,7 +3227,7 @@
             </a:pPr>
             <a:fld id="{00000000-1234-1234-1234-123412341234}" type="slidenum">
               <a:rPr lang="en-CA" smtClean="0"/>
-              <a:t>‹nº›</a:t>
+              <a:t>‹#›</a:t>
             </a:fld>
             <a:endParaRPr lang="en-CA"/>
           </a:p>
@@ -3291,7 +3291,7 @@
           </a:lstStyle>
           <a:p>
             <a:r>
-              <a:rPr lang="pt-BR" smtClean="0"/>
+              <a:rPr lang="pt-BR"/>
               <a:t>Clique para editar o título mestre</a:t>
             </a:r>
             <a:endParaRPr lang="en-US" dirty="0"/>
@@ -3355,7 +3355,7 @@
           <a:p>
             <a:pPr lvl="0"/>
             <a:r>
-              <a:rPr lang="pt-BR" smtClean="0"/>
+              <a:rPr lang="pt-BR"/>
               <a:t>Editar estilos de texto Mestre</a:t>
             </a:r>
           </a:p>
@@ -3477,7 +3477,7 @@
           <a:p>
             <a:pPr lvl="0"/>
             <a:r>
-              <a:rPr lang="pt-BR" smtClean="0"/>
+              <a:rPr lang="pt-BR"/>
               <a:t>Editar estilos de texto Mestre</a:t>
             </a:r>
           </a:p>
@@ -3501,7 +3501,7 @@
             <a:fld id="{B61BEF0D-F0BB-DE4B-95CE-6DB70DBA9567}" type="datetimeFigureOut">
               <a:rPr lang="en-US" dirty="0"/>
               <a:pPr/>
-              <a:t>4/9/2019</a:t>
+              <a:t>4/12/2019</a:t>
             </a:fld>
             <a:endParaRPr lang="en-US" dirty="0"/>
           </a:p>
@@ -3552,7 +3552,7 @@
             </a:pPr>
             <a:fld id="{00000000-1234-1234-1234-123412341234}" type="slidenum">
               <a:rPr lang="en-CA" smtClean="0"/>
-              <a:t>‹nº›</a:t>
+              <a:t>‹#›</a:t>
             </a:fld>
             <a:endParaRPr lang="en-CA"/>
           </a:p>
@@ -3698,7 +3698,7 @@
           </a:lstStyle>
           <a:p>
             <a:r>
-              <a:rPr lang="pt-BR" smtClean="0"/>
+              <a:rPr lang="pt-BR"/>
               <a:t>Clique para editar o título mestre</a:t>
             </a:r>
             <a:endParaRPr lang="en-US" dirty="0"/>
@@ -3759,7 +3759,7 @@
           <a:p>
             <a:pPr lvl="0"/>
             <a:r>
-              <a:rPr lang="pt-BR" smtClean="0"/>
+              <a:rPr lang="pt-BR"/>
               <a:t>Editar estilos de texto Mestre</a:t>
             </a:r>
           </a:p>
@@ -3881,7 +3881,7 @@
           <a:p>
             <a:pPr lvl="0"/>
             <a:r>
-              <a:rPr lang="pt-BR" smtClean="0"/>
+              <a:rPr lang="pt-BR"/>
               <a:t>Editar estilos de texto Mestre</a:t>
             </a:r>
           </a:p>
@@ -3905,7 +3905,7 @@
             <a:fld id="{B61BEF0D-F0BB-DE4B-95CE-6DB70DBA9567}" type="datetimeFigureOut">
               <a:rPr lang="en-US" dirty="0"/>
               <a:pPr/>
-              <a:t>4/9/2019</a:t>
+              <a:t>4/12/2019</a:t>
             </a:fld>
             <a:endParaRPr lang="en-US" dirty="0"/>
           </a:p>
@@ -3956,7 +3956,7 @@
             </a:pPr>
             <a:fld id="{00000000-1234-1234-1234-123412341234}" type="slidenum">
               <a:rPr lang="en-CA" smtClean="0"/>
-              <a:t>‹nº›</a:t>
+              <a:t>‹#›</a:t>
             </a:fld>
             <a:endParaRPr lang="en-CA"/>
           </a:p>
@@ -4009,7 +4009,7 @@
           <a:lstStyle/>
           <a:p>
             <a:r>
-              <a:rPr lang="pt-BR" smtClean="0"/>
+              <a:rPr lang="pt-BR"/>
               <a:t>Clique para editar o título mestre</a:t>
             </a:r>
             <a:endParaRPr lang="en-US" dirty="0"/>
@@ -4033,35 +4033,35 @@
           <a:p>
             <a:pPr lvl="0"/>
             <a:r>
-              <a:rPr lang="pt-BR" smtClean="0"/>
+              <a:rPr lang="pt-BR"/>
               <a:t>Editar estilos de texto Mestre</a:t>
             </a:r>
           </a:p>
           <a:p>
             <a:pPr lvl="1"/>
             <a:r>
-              <a:rPr lang="pt-BR" smtClean="0"/>
+              <a:rPr lang="pt-BR"/>
               <a:t>Segundo nível</a:t>
             </a:r>
           </a:p>
           <a:p>
             <a:pPr lvl="2"/>
             <a:r>
-              <a:rPr lang="pt-BR" smtClean="0"/>
+              <a:rPr lang="pt-BR"/>
               <a:t>Terceiro nível</a:t>
             </a:r>
           </a:p>
           <a:p>
             <a:pPr lvl="3"/>
             <a:r>
-              <a:rPr lang="pt-BR" smtClean="0"/>
+              <a:rPr lang="pt-BR"/>
               <a:t>Quarto nível</a:t>
             </a:r>
           </a:p>
           <a:p>
             <a:pPr lvl="4"/>
             <a:r>
-              <a:rPr lang="pt-BR" smtClean="0"/>
+              <a:rPr lang="pt-BR"/>
               <a:t>Quinto nível</a:t>
             </a:r>
             <a:endParaRPr lang="en-US" dirty="0"/>
@@ -4085,7 +4085,7 @@
           <a:p>
             <a:fld id="{55C6B4A9-1611-4792-9094-5F34BCA07E0B}" type="datetimeFigureOut">
               <a:rPr lang="en-US" dirty="0"/>
-              <a:t>4/9/2019</a:t>
+              <a:t>4/12/2019</a:t>
             </a:fld>
             <a:endParaRPr lang="en-US" dirty="0"/>
           </a:p>
@@ -4136,7 +4136,7 @@
             </a:pPr>
             <a:fld id="{00000000-1234-1234-1234-123412341234}" type="slidenum">
               <a:rPr lang="en-CA" smtClean="0"/>
-              <a:t>‹nº›</a:t>
+              <a:t>‹#›</a:t>
             </a:fld>
             <a:endParaRPr lang="en-CA"/>
           </a:p>
@@ -4194,7 +4194,7 @@
           <a:lstStyle/>
           <a:p>
             <a:r>
-              <a:rPr lang="pt-BR" smtClean="0"/>
+              <a:rPr lang="pt-BR"/>
               <a:t>Clique para editar o título mestre</a:t>
             </a:r>
             <a:endParaRPr lang="en-US" dirty="0"/>
@@ -4223,35 +4223,35 @@
           <a:p>
             <a:pPr lvl="0"/>
             <a:r>
-              <a:rPr lang="pt-BR" smtClean="0"/>
+              <a:rPr lang="pt-BR"/>
               <a:t>Editar estilos de texto Mestre</a:t>
             </a:r>
           </a:p>
           <a:p>
             <a:pPr lvl="1"/>
             <a:r>
-              <a:rPr lang="pt-BR" smtClean="0"/>
+              <a:rPr lang="pt-BR"/>
               <a:t>Segundo nível</a:t>
             </a:r>
           </a:p>
           <a:p>
             <a:pPr lvl="2"/>
             <a:r>
-              <a:rPr lang="pt-BR" smtClean="0"/>
+              <a:rPr lang="pt-BR"/>
               <a:t>Terceiro nível</a:t>
             </a:r>
           </a:p>
           <a:p>
             <a:pPr lvl="3"/>
             <a:r>
-              <a:rPr lang="pt-BR" smtClean="0"/>
+              <a:rPr lang="pt-BR"/>
               <a:t>Quarto nível</a:t>
             </a:r>
           </a:p>
           <a:p>
             <a:pPr lvl="4"/>
             <a:r>
-              <a:rPr lang="pt-BR" smtClean="0"/>
+              <a:rPr lang="pt-BR"/>
               <a:t>Quinto nível</a:t>
             </a:r>
             <a:endParaRPr lang="en-US" dirty="0"/>
@@ -4276,7 +4276,7 @@
             <a:fld id="{B61BEF0D-F0BB-DE4B-95CE-6DB70DBA9567}" type="datetimeFigureOut">
               <a:rPr lang="en-US" dirty="0"/>
               <a:pPr/>
-              <a:t>4/9/2019</a:t>
+              <a:t>4/12/2019</a:t>
             </a:fld>
             <a:endParaRPr lang="en-US" dirty="0"/>
           </a:p>
@@ -4327,7 +4327,7 @@
             </a:pPr>
             <a:fld id="{00000000-1234-1234-1234-123412341234}" type="slidenum">
               <a:rPr lang="en-CA" smtClean="0"/>
-              <a:t>‹nº›</a:t>
+              <a:t>‹#›</a:t>
             </a:fld>
             <a:endParaRPr lang="en-CA"/>
           </a:p>
@@ -4691,7 +4691,7 @@
             </a:pPr>
             <a:fld id="{00000000-1234-1234-1234-123412341234}" type="slidenum">
               <a:rPr lang="en"/>
-              <a:t>‹nº›</a:t>
+              <a:t>‹#›</a:t>
             </a:fld>
             <a:endParaRPr/>
           </a:p>
@@ -4749,7 +4749,7 @@
           </a:lstStyle>
           <a:p>
             <a:r>
-              <a:rPr lang="pt-BR" smtClean="0"/>
+              <a:rPr lang="pt-BR"/>
               <a:t>Clique para editar o título mestre</a:t>
             </a:r>
             <a:endParaRPr lang="en-US" dirty="0"/>
@@ -4773,35 +4773,35 @@
           <a:p>
             <a:pPr lvl="0"/>
             <a:r>
-              <a:rPr lang="pt-BR" smtClean="0"/>
+              <a:rPr lang="pt-BR"/>
               <a:t>Editar estilos de texto Mestre</a:t>
             </a:r>
           </a:p>
           <a:p>
             <a:pPr lvl="1"/>
             <a:r>
-              <a:rPr lang="pt-BR" smtClean="0"/>
+              <a:rPr lang="pt-BR"/>
               <a:t>Segundo nível</a:t>
             </a:r>
           </a:p>
           <a:p>
             <a:pPr lvl="2"/>
             <a:r>
-              <a:rPr lang="pt-BR" smtClean="0"/>
+              <a:rPr lang="pt-BR"/>
               <a:t>Terceiro nível</a:t>
             </a:r>
           </a:p>
           <a:p>
             <a:pPr lvl="3"/>
             <a:r>
-              <a:rPr lang="pt-BR" smtClean="0"/>
+              <a:rPr lang="pt-BR"/>
               <a:t>Quarto nível</a:t>
             </a:r>
           </a:p>
           <a:p>
             <a:pPr lvl="4"/>
             <a:r>
-              <a:rPr lang="pt-BR" smtClean="0"/>
+              <a:rPr lang="pt-BR"/>
               <a:t>Quinto nível</a:t>
             </a:r>
             <a:endParaRPr lang="en-US" dirty="0"/>
@@ -4826,7 +4826,7 @@
             <a:fld id="{B61BEF0D-F0BB-DE4B-95CE-6DB70DBA9567}" type="datetimeFigureOut">
               <a:rPr lang="en-US" dirty="0"/>
               <a:pPr/>
-              <a:t>4/9/2019</a:t>
+              <a:t>4/12/2019</a:t>
             </a:fld>
             <a:endParaRPr lang="en-US" dirty="0"/>
           </a:p>
@@ -4877,7 +4877,7 @@
             </a:pPr>
             <a:fld id="{00000000-1234-1234-1234-123412341234}" type="slidenum">
               <a:rPr lang="en-CA" smtClean="0"/>
-              <a:t>‹nº›</a:t>
+              <a:t>‹#›</a:t>
             </a:fld>
             <a:endParaRPr lang="en-CA"/>
           </a:p>
@@ -4939,7 +4939,7 @@
           </a:lstStyle>
           <a:p>
             <a:r>
-              <a:rPr lang="pt-BR" smtClean="0"/>
+              <a:rPr lang="pt-BR"/>
               <a:t>Clique para editar o título mestre</a:t>
             </a:r>
             <a:endParaRPr lang="en-US" dirty="0"/>
@@ -5060,7 +5060,7 @@
           <a:p>
             <a:pPr lvl="0"/>
             <a:r>
-              <a:rPr lang="pt-BR" smtClean="0"/>
+              <a:rPr lang="pt-BR"/>
               <a:t>Editar estilos de texto Mestre</a:t>
             </a:r>
           </a:p>
@@ -5084,7 +5084,7 @@
             <a:fld id="{B61BEF0D-F0BB-DE4B-95CE-6DB70DBA9567}" type="datetimeFigureOut">
               <a:rPr lang="en-US" dirty="0"/>
               <a:pPr/>
-              <a:t>4/9/2019</a:t>
+              <a:t>4/12/2019</a:t>
             </a:fld>
             <a:endParaRPr lang="en-US" dirty="0"/>
           </a:p>
@@ -5135,7 +5135,7 @@
             </a:pPr>
             <a:fld id="{00000000-1234-1234-1234-123412341234}" type="slidenum">
               <a:rPr lang="en-CA" smtClean="0"/>
-              <a:t>‹nº›</a:t>
+              <a:t>‹#›</a:t>
             </a:fld>
             <a:endParaRPr lang="en-CA"/>
           </a:p>
@@ -5188,7 +5188,7 @@
           <a:lstStyle/>
           <a:p>
             <a:r>
-              <a:rPr lang="pt-BR" smtClean="0"/>
+              <a:rPr lang="pt-BR"/>
               <a:t>Clique para editar o título mestre</a:t>
             </a:r>
             <a:endParaRPr lang="en-US" dirty="0"/>
@@ -5217,35 +5217,35 @@
           <a:p>
             <a:pPr lvl="0"/>
             <a:r>
-              <a:rPr lang="pt-BR" smtClean="0"/>
+              <a:rPr lang="pt-BR"/>
               <a:t>Editar estilos de texto Mestre</a:t>
             </a:r>
           </a:p>
           <a:p>
             <a:pPr lvl="1"/>
             <a:r>
-              <a:rPr lang="pt-BR" smtClean="0"/>
+              <a:rPr lang="pt-BR"/>
               <a:t>Segundo nível</a:t>
             </a:r>
           </a:p>
           <a:p>
             <a:pPr lvl="2"/>
             <a:r>
-              <a:rPr lang="pt-BR" smtClean="0"/>
+              <a:rPr lang="pt-BR"/>
               <a:t>Terceiro nível</a:t>
             </a:r>
           </a:p>
           <a:p>
             <a:pPr lvl="3"/>
             <a:r>
-              <a:rPr lang="pt-BR" smtClean="0"/>
+              <a:rPr lang="pt-BR"/>
               <a:t>Quarto nível</a:t>
             </a:r>
           </a:p>
           <a:p>
             <a:pPr lvl="4"/>
             <a:r>
-              <a:rPr lang="pt-BR" smtClean="0"/>
+              <a:rPr lang="pt-BR"/>
               <a:t>Quinto nível</a:t>
             </a:r>
             <a:endParaRPr lang="en-US" dirty="0"/>
@@ -5274,35 +5274,35 @@
           <a:p>
             <a:pPr lvl="0"/>
             <a:r>
-              <a:rPr lang="pt-BR" smtClean="0"/>
+              <a:rPr lang="pt-BR"/>
               <a:t>Editar estilos de texto Mestre</a:t>
             </a:r>
           </a:p>
           <a:p>
             <a:pPr lvl="1"/>
             <a:r>
-              <a:rPr lang="pt-BR" smtClean="0"/>
+              <a:rPr lang="pt-BR"/>
               <a:t>Segundo nível</a:t>
             </a:r>
           </a:p>
           <a:p>
             <a:pPr lvl="2"/>
             <a:r>
-              <a:rPr lang="pt-BR" smtClean="0"/>
+              <a:rPr lang="pt-BR"/>
               <a:t>Terceiro nível</a:t>
             </a:r>
           </a:p>
           <a:p>
             <a:pPr lvl="3"/>
             <a:r>
-              <a:rPr lang="pt-BR" smtClean="0"/>
+              <a:rPr lang="pt-BR"/>
               <a:t>Quarto nível</a:t>
             </a:r>
           </a:p>
           <a:p>
             <a:pPr lvl="4"/>
             <a:r>
-              <a:rPr lang="pt-BR" smtClean="0"/>
+              <a:rPr lang="pt-BR"/>
               <a:t>Quinto nível</a:t>
             </a:r>
             <a:endParaRPr lang="en-US" dirty="0"/>
@@ -5326,7 +5326,7 @@
           <a:p>
             <a:fld id="{EB712588-04B1-427B-82EE-E8DB90309F08}" type="datetimeFigureOut">
               <a:rPr lang="en-US" dirty="0"/>
-              <a:t>4/9/2019</a:t>
+              <a:t>4/12/2019</a:t>
             </a:fld>
             <a:endParaRPr lang="en-US" dirty="0"/>
           </a:p>
@@ -5377,7 +5377,7 @@
             </a:pPr>
             <a:fld id="{00000000-1234-1234-1234-123412341234}" type="slidenum">
               <a:rPr lang="en-CA" smtClean="0"/>
-              <a:t>‹nº›</a:t>
+              <a:t>‹#›</a:t>
             </a:fld>
             <a:endParaRPr lang="en-CA"/>
           </a:p>
@@ -5434,7 +5434,7 @@
           </a:lstStyle>
           <a:p>
             <a:r>
-              <a:rPr lang="pt-BR" smtClean="0"/>
+              <a:rPr lang="pt-BR"/>
               <a:t>Clique para editar o título mestre</a:t>
             </a:r>
             <a:endParaRPr lang="en-US" dirty="0"/>
@@ -5502,7 +5502,7 @@
           <a:p>
             <a:pPr lvl="0"/>
             <a:r>
-              <a:rPr lang="pt-BR" smtClean="0"/>
+              <a:rPr lang="pt-BR"/>
               <a:t>Editar estilos de texto Mestre</a:t>
             </a:r>
           </a:p>
@@ -5532,35 +5532,35 @@
           <a:p>
             <a:pPr lvl="0"/>
             <a:r>
-              <a:rPr lang="pt-BR" smtClean="0"/>
+              <a:rPr lang="pt-BR"/>
               <a:t>Editar estilos de texto Mestre</a:t>
             </a:r>
           </a:p>
           <a:p>
             <a:pPr lvl="1"/>
             <a:r>
-              <a:rPr lang="pt-BR" smtClean="0"/>
+              <a:rPr lang="pt-BR"/>
               <a:t>Segundo nível</a:t>
             </a:r>
           </a:p>
           <a:p>
             <a:pPr lvl="2"/>
             <a:r>
-              <a:rPr lang="pt-BR" smtClean="0"/>
+              <a:rPr lang="pt-BR"/>
               <a:t>Terceiro nível</a:t>
             </a:r>
           </a:p>
           <a:p>
             <a:pPr lvl="3"/>
             <a:r>
-              <a:rPr lang="pt-BR" smtClean="0"/>
+              <a:rPr lang="pt-BR"/>
               <a:t>Quarto nível</a:t>
             </a:r>
           </a:p>
           <a:p>
             <a:pPr lvl="4"/>
             <a:r>
-              <a:rPr lang="pt-BR" smtClean="0"/>
+              <a:rPr lang="pt-BR"/>
               <a:t>Quinto nível</a:t>
             </a:r>
             <a:endParaRPr lang="en-US" dirty="0"/>
@@ -5628,7 +5628,7 @@
           <a:p>
             <a:pPr lvl="0"/>
             <a:r>
-              <a:rPr lang="pt-BR" smtClean="0"/>
+              <a:rPr lang="pt-BR"/>
               <a:t>Editar estilos de texto Mestre</a:t>
             </a:r>
           </a:p>
@@ -5658,35 +5658,35 @@
           <a:p>
             <a:pPr lvl="0"/>
             <a:r>
-              <a:rPr lang="pt-BR" smtClean="0"/>
+              <a:rPr lang="pt-BR"/>
               <a:t>Editar estilos de texto Mestre</a:t>
             </a:r>
           </a:p>
           <a:p>
             <a:pPr lvl="1"/>
             <a:r>
-              <a:rPr lang="pt-BR" smtClean="0"/>
+              <a:rPr lang="pt-BR"/>
               <a:t>Segundo nível</a:t>
             </a:r>
           </a:p>
           <a:p>
             <a:pPr lvl="2"/>
             <a:r>
-              <a:rPr lang="pt-BR" smtClean="0"/>
+              <a:rPr lang="pt-BR"/>
               <a:t>Terceiro nível</a:t>
             </a:r>
           </a:p>
           <a:p>
             <a:pPr lvl="3"/>
             <a:r>
-              <a:rPr lang="pt-BR" smtClean="0"/>
+              <a:rPr lang="pt-BR"/>
               <a:t>Quarto nível</a:t>
             </a:r>
           </a:p>
           <a:p>
             <a:pPr lvl="4"/>
             <a:r>
-              <a:rPr lang="pt-BR" smtClean="0"/>
+              <a:rPr lang="pt-BR"/>
               <a:t>Quinto nível</a:t>
             </a:r>
             <a:endParaRPr lang="en-US" dirty="0"/>
@@ -5711,7 +5711,7 @@
             <a:fld id="{B61BEF0D-F0BB-DE4B-95CE-6DB70DBA9567}" type="datetimeFigureOut">
               <a:rPr lang="en-US" dirty="0"/>
               <a:pPr/>
-              <a:t>4/9/2019</a:t>
+              <a:t>4/12/2019</a:t>
             </a:fld>
             <a:endParaRPr lang="en-US" dirty="0"/>
           </a:p>
@@ -5762,7 +5762,7 @@
             </a:pPr>
             <a:fld id="{00000000-1234-1234-1234-123412341234}" type="slidenum">
               <a:rPr lang="en-CA" smtClean="0"/>
-              <a:t>‹nº›</a:t>
+              <a:t>‹#›</a:t>
             </a:fld>
             <a:endParaRPr lang="en-CA"/>
           </a:p>
@@ -5820,7 +5820,7 @@
           <a:lstStyle/>
           <a:p>
             <a:r>
-              <a:rPr lang="pt-BR" smtClean="0"/>
+              <a:rPr lang="pt-BR"/>
               <a:t>Clique para editar o título mestre</a:t>
             </a:r>
             <a:endParaRPr lang="en-US" dirty="0"/>
@@ -5845,7 +5845,7 @@
             <a:fld id="{B61BEF0D-F0BB-DE4B-95CE-6DB70DBA9567}" type="datetimeFigureOut">
               <a:rPr lang="en-US" dirty="0"/>
               <a:pPr/>
-              <a:t>4/9/2019</a:t>
+              <a:t>4/12/2019</a:t>
             </a:fld>
             <a:endParaRPr lang="en-US" dirty="0"/>
           </a:p>
@@ -5896,7 +5896,7 @@
             </a:pPr>
             <a:fld id="{00000000-1234-1234-1234-123412341234}" type="slidenum">
               <a:rPr lang="en-CA" smtClean="0"/>
-              <a:t>‹nº›</a:t>
+              <a:t>‹#›</a:t>
             </a:fld>
             <a:endParaRPr lang="en-CA"/>
           </a:p>
@@ -5951,7 +5951,7 @@
             <a:fld id="{B61BEF0D-F0BB-DE4B-95CE-6DB70DBA9567}" type="datetimeFigureOut">
               <a:rPr lang="en-US" dirty="0"/>
               <a:pPr/>
-              <a:t>4/9/2019</a:t>
+              <a:t>4/12/2019</a:t>
             </a:fld>
             <a:endParaRPr lang="en-US" dirty="0"/>
           </a:p>
@@ -6002,7 +6002,7 @@
             </a:pPr>
             <a:fld id="{00000000-1234-1234-1234-123412341234}" type="slidenum">
               <a:rPr lang="en-CA" smtClean="0"/>
-              <a:t>‹nº›</a:t>
+              <a:t>‹#›</a:t>
             </a:fld>
             <a:endParaRPr lang="en-CA"/>
           </a:p>
@@ -6066,7 +6066,7 @@
           </a:lstStyle>
           <a:p>
             <a:r>
-              <a:rPr lang="pt-BR" smtClean="0"/>
+              <a:rPr lang="pt-BR"/>
               <a:t>Clique para editar o título mestre</a:t>
             </a:r>
             <a:endParaRPr lang="en-US" dirty="0"/>
@@ -6097,35 +6097,35 @@
           <a:p>
             <a:pPr lvl="0"/>
             <a:r>
-              <a:rPr lang="pt-BR" smtClean="0"/>
+              <a:rPr lang="pt-BR"/>
               <a:t>Editar estilos de texto Mestre</a:t>
             </a:r>
           </a:p>
           <a:p>
             <a:pPr lvl="1"/>
             <a:r>
-              <a:rPr lang="pt-BR" smtClean="0"/>
+              <a:rPr lang="pt-BR"/>
               <a:t>Segundo nível</a:t>
             </a:r>
           </a:p>
           <a:p>
             <a:pPr lvl="2"/>
             <a:r>
-              <a:rPr lang="pt-BR" smtClean="0"/>
+              <a:rPr lang="pt-BR"/>
               <a:t>Terceiro nível</a:t>
             </a:r>
           </a:p>
           <a:p>
             <a:pPr lvl="3"/>
             <a:r>
-              <a:rPr lang="pt-BR" smtClean="0"/>
+              <a:rPr lang="pt-BR"/>
               <a:t>Quarto nível</a:t>
             </a:r>
           </a:p>
           <a:p>
             <a:pPr lvl="4"/>
             <a:r>
-              <a:rPr lang="pt-BR" smtClean="0"/>
+              <a:rPr lang="pt-BR"/>
               <a:t>Quinto nível</a:t>
             </a:r>
             <a:endParaRPr lang="en-US" dirty="0"/>
@@ -6193,7 +6193,7 @@
           <a:p>
             <a:pPr lvl="0"/>
             <a:r>
-              <a:rPr lang="pt-BR" smtClean="0"/>
+              <a:rPr lang="pt-BR"/>
               <a:t>Editar estilos de texto Mestre</a:t>
             </a:r>
           </a:p>
@@ -6216,7 +6216,7 @@
           <a:p>
             <a:fld id="{42A54C80-263E-416B-A8E0-580EDEADCBDC}" type="datetimeFigureOut">
               <a:rPr lang="en-US" dirty="0"/>
-              <a:t>4/9/2019</a:t>
+              <a:t>4/12/2019</a:t>
             </a:fld>
             <a:endParaRPr lang="en-US" dirty="0"/>
           </a:p>
@@ -6267,7 +6267,7 @@
             </a:pPr>
             <a:fld id="{00000000-1234-1234-1234-123412341234}" type="slidenum">
               <a:rPr lang="en-CA" smtClean="0"/>
-              <a:t>‹nº›</a:t>
+              <a:t>‹#›</a:t>
             </a:fld>
             <a:endParaRPr lang="en-CA"/>
           </a:p>
@@ -6331,7 +6331,7 @@
           </a:lstStyle>
           <a:p>
             <a:r>
-              <a:rPr lang="pt-BR" smtClean="0"/>
+              <a:rPr lang="pt-BR"/>
               <a:t>Clique para editar o título mestre</a:t>
             </a:r>
             <a:endParaRPr lang="en-US" dirty="0"/>
@@ -6398,7 +6398,7 @@
           </a:lstStyle>
           <a:p>
             <a:r>
-              <a:rPr lang="pt-BR" smtClean="0"/>
+              <a:rPr lang="pt-BR"/>
               <a:t>Clique no ícone para adicionar uma imagem</a:t>
             </a:r>
             <a:endParaRPr lang="en-US" dirty="0"/>
@@ -6466,7 +6466,7 @@
           <a:p>
             <a:pPr lvl="0"/>
             <a:r>
-              <a:rPr lang="pt-BR" smtClean="0"/>
+              <a:rPr lang="pt-BR"/>
               <a:t>Editar estilos de texto Mestre</a:t>
             </a:r>
           </a:p>
@@ -6490,7 +6490,7 @@
             <a:fld id="{B61BEF0D-F0BB-DE4B-95CE-6DB70DBA9567}" type="datetimeFigureOut">
               <a:rPr lang="en-US" dirty="0"/>
               <a:pPr/>
-              <a:t>4/9/2019</a:t>
+              <a:t>4/12/2019</a:t>
             </a:fld>
             <a:endParaRPr lang="en-US" dirty="0"/>
           </a:p>
@@ -6541,7 +6541,7 @@
             </a:pPr>
             <a:fld id="{00000000-1234-1234-1234-123412341234}" type="slidenum">
               <a:rPr lang="en-CA" smtClean="0"/>
-              <a:t>‹nº›</a:t>
+              <a:t>‹#›</a:t>
             </a:fld>
             <a:endParaRPr lang="en-CA"/>
           </a:p>
@@ -7139,7 +7139,7 @@
           <a:lstStyle/>
           <a:p>
             <a:r>
-              <a:rPr lang="pt-BR" smtClean="0"/>
+              <a:rPr lang="pt-BR"/>
               <a:t>Clique para editar o título mestre</a:t>
             </a:r>
             <a:endParaRPr lang="en-US" dirty="0"/>
@@ -7173,35 +7173,35 @@
           <a:p>
             <a:pPr lvl="0"/>
             <a:r>
-              <a:rPr lang="pt-BR" smtClean="0"/>
+              <a:rPr lang="pt-BR"/>
               <a:t>Editar estilos de texto Mestre</a:t>
             </a:r>
           </a:p>
           <a:p>
             <a:pPr lvl="1"/>
             <a:r>
-              <a:rPr lang="pt-BR" smtClean="0"/>
+              <a:rPr lang="pt-BR"/>
               <a:t>Segundo nível</a:t>
             </a:r>
           </a:p>
           <a:p>
             <a:pPr lvl="2"/>
             <a:r>
-              <a:rPr lang="pt-BR" smtClean="0"/>
+              <a:rPr lang="pt-BR"/>
               <a:t>Terceiro nível</a:t>
             </a:r>
           </a:p>
           <a:p>
             <a:pPr lvl="3"/>
             <a:r>
-              <a:rPr lang="pt-BR" smtClean="0"/>
+              <a:rPr lang="pt-BR"/>
               <a:t>Quarto nível</a:t>
             </a:r>
           </a:p>
           <a:p>
             <a:pPr lvl="4"/>
             <a:r>
-              <a:rPr lang="pt-BR" smtClean="0"/>
+              <a:rPr lang="pt-BR"/>
               <a:t>Quinto nível</a:t>
             </a:r>
             <a:endParaRPr lang="en-US" dirty="0"/>
@@ -7244,7 +7244,7 @@
             <a:fld id="{B61BEF0D-F0BB-DE4B-95CE-6DB70DBA9567}" type="datetimeFigureOut">
               <a:rPr lang="en-US" dirty="0"/>
               <a:pPr/>
-              <a:t>4/9/2019</a:t>
+              <a:t>4/12/2019</a:t>
             </a:fld>
             <a:endParaRPr lang="en-US" dirty="0"/>
           </a:p>
@@ -7329,7 +7329,7 @@
             </a:pPr>
             <a:fld id="{00000000-1234-1234-1234-123412341234}" type="slidenum">
               <a:rPr lang="en-CA" smtClean="0"/>
-              <a:t>‹nº›</a:t>
+              <a:t>‹#›</a:t>
             </a:fld>
             <a:endParaRPr lang="en-CA"/>
           </a:p>
@@ -7855,7 +7855,7 @@
               </a:spcAft>
               <a:buNone/>
             </a:pPr>
-            <a:endParaRPr lang="en" dirty="0" smtClean="0"/>
+            <a:endParaRPr lang="en" dirty="0"/>
           </a:p>
           <a:p>
             <a:pPr marL="0" lvl="0" indent="0" algn="l" rtl="0">
@@ -7868,20 +7868,8 @@
               <a:buNone/>
             </a:pPr>
             <a:r>
-              <a:rPr lang="en" sz="2000" dirty="0" smtClean="0"/>
-              <a:t>Developed by:</a:t>
-            </a:r>
-            <a:r>
               <a:rPr lang="en" sz="2000" dirty="0"/>
-              <a:t> </a:t>
-            </a:r>
-            <a:r>
-              <a:rPr lang="en" sz="2000" dirty="0" smtClean="0"/>
-              <a:t>Roberto </a:t>
-            </a:r>
-            <a:r>
-              <a:rPr lang="en" sz="2000" dirty="0"/>
-              <a:t>Ito &amp; Yayun Yang</a:t>
+              <a:t>Developed by: Roberto Ito &amp; Yayun Yang</a:t>
             </a:r>
             <a:endParaRPr sz="2000" dirty="0"/>
           </a:p>
@@ -7920,13 +7908,6 @@
   <p:clrMapOvr>
     <a:masterClrMapping/>
   </p:clrMapOvr>
-  <p:timing>
-    <p:tnLst>
-      <p:par>
-        <p:cTn id="1" dur="indefinite" restart="never" nodeType="tmRoot"/>
-      </p:par>
-    </p:tnLst>
-  </p:timing>
 </p:sld>
 </file>
 
@@ -7965,10 +7946,9 @@
           <a:lstStyle/>
           <a:p>
             <a:r>
-              <a:rPr lang="en-CA" dirty="0" smtClean="0"/>
+              <a:rPr lang="en-CA" dirty="0"/>
               <a:t>State Diagram</a:t>
             </a:r>
-            <a:endParaRPr lang="en-CA" dirty="0"/>
           </a:p>
         </p:txBody>
       </p:sp>
@@ -7991,6 +7971,36 @@
           </a:p>
         </p:txBody>
       </p:sp>
+      <p:pic>
+        <p:nvPicPr>
+          <p:cNvPr id="5" name="Picture 4">
+            <a:extLst>
+              <a:ext uri="{FF2B5EF4-FFF2-40B4-BE49-F238E27FC236}">
+                <a16:creationId xmlns:a16="http://schemas.microsoft.com/office/drawing/2014/main" id="{0D677061-1FE2-4F4B-971B-7A66F15B3A3A}"/>
+              </a:ext>
+            </a:extLst>
+          </p:cNvPr>
+          <p:cNvPicPr>
+            <a:picLocks noChangeAspect="1"/>
+          </p:cNvPicPr>
+          <p:nvPr/>
+        </p:nvPicPr>
+        <p:blipFill>
+          <a:blip r:embed="rId2"/>
+          <a:stretch>
+            <a:fillRect/>
+          </a:stretch>
+        </p:blipFill>
+        <p:spPr>
+          <a:xfrm>
+            <a:off x="441736" y="1152475"/>
+            <a:ext cx="8260528" cy="3175952"/>
+          </a:xfrm>
+          <a:prstGeom prst="rect">
+            <a:avLst/>
+          </a:prstGeom>
+        </p:spPr>
+      </p:pic>
     </p:spTree>
     <p:extLst>
       <p:ext uri="{BB962C8B-B14F-4D97-AF65-F5344CB8AC3E}">
@@ -8039,10 +8049,9 @@
           <a:lstStyle/>
           <a:p>
             <a:r>
-              <a:rPr lang="en-CA" dirty="0" smtClean="0"/>
+              <a:rPr lang="en-CA" dirty="0"/>
               <a:t>Class Diagram</a:t>
             </a:r>
-            <a:endParaRPr lang="en-CA" dirty="0"/>
           </a:p>
         </p:txBody>
       </p:sp>
@@ -8113,10 +8122,9 @@
           <a:lstStyle/>
           <a:p>
             <a:r>
-              <a:rPr lang="en-CA" dirty="0" smtClean="0"/>
+              <a:rPr lang="en-CA" dirty="0"/>
               <a:t>Classes</a:t>
             </a:r>
-            <a:endParaRPr lang="en-CA" dirty="0"/>
           </a:p>
         </p:txBody>
       </p:sp>
@@ -8221,7 +8229,7 @@
               <a:buChar char="•"/>
             </a:pPr>
             <a:r>
-              <a:rPr lang="en-US" sz="1400" dirty="0" err="1" smtClean="0"/>
+              <a:rPr lang="en-US" sz="1400" dirty="0" err="1"/>
               <a:t>removeChild</a:t>
             </a:r>
             <a:endParaRPr lang="en-CA" sz="1400" dirty="0"/>
@@ -8234,12 +8242,8 @@
               <a:buNone/>
             </a:pPr>
             <a:r>
-              <a:rPr lang="en-US" sz="1550" dirty="0" smtClean="0"/>
-              <a:t>Properties</a:t>
-            </a:r>
-            <a:r>
               <a:rPr lang="en-US" sz="1550" dirty="0"/>
-              <a:t>:</a:t>
+              <a:t>Properties:</a:t>
             </a:r>
             <a:endParaRPr lang="en-CA" sz="1550" dirty="0"/>
           </a:p>
@@ -8431,10 +8435,9 @@
           <a:lstStyle/>
           <a:p>
             <a:r>
-              <a:rPr lang="en-CA" dirty="0" smtClean="0"/>
+              <a:rPr lang="en-CA" dirty="0"/>
               <a:t>Classes</a:t>
             </a:r>
-            <a:endParaRPr lang="en-CA" dirty="0"/>
           </a:p>
         </p:txBody>
       </p:sp>
@@ -8563,12 +8566,8 @@
               <a:buNone/>
             </a:pPr>
             <a:r>
-              <a:rPr lang="en-US" sz="1400" dirty="0" smtClean="0"/>
-              <a:t>	Properties</a:t>
-            </a:r>
-            <a:r>
               <a:rPr lang="en-US" sz="1400" dirty="0"/>
-              <a:t>:</a:t>
+              <a:t>	Properties:</a:t>
             </a:r>
             <a:endParaRPr lang="en-CA" sz="1400" dirty="0"/>
           </a:p>
@@ -8819,13 +8818,6 @@
   <p:clrMapOvr>
     <a:masterClrMapping/>
   </p:clrMapOvr>
-  <p:timing>
-    <p:tnLst>
-      <p:par>
-        <p:cTn id="1" dur="indefinite" restart="never" nodeType="tmRoot"/>
-      </p:par>
-    </p:tnLst>
-  </p:timing>
 </p:sld>
 </file>
 
@@ -8862,10 +8854,9 @@
           <a:lstStyle/>
           <a:p>
             <a:r>
-              <a:rPr lang="en-CA" dirty="0" smtClean="0"/>
+              <a:rPr lang="en-CA" dirty="0"/>
               <a:t>Roles</a:t>
             </a:r>
-            <a:endParaRPr lang="en-CA" dirty="0"/>
           </a:p>
         </p:txBody>
       </p:sp>
@@ -8885,28 +8876,28 @@
           <a:lstStyle/>
           <a:p>
             <a:r>
-              <a:rPr lang="en-CA" dirty="0" smtClean="0"/>
+              <a:rPr lang="en-CA" dirty="0"/>
               <a:t>Roberto Ito</a:t>
             </a:r>
           </a:p>
           <a:p>
             <a:pPr lvl="1"/>
             <a:r>
-              <a:rPr lang="en-CA" dirty="0" smtClean="0"/>
+              <a:rPr lang="en-CA" dirty="0"/>
               <a:t>Designer</a:t>
             </a:r>
           </a:p>
           <a:p>
             <a:pPr lvl="1"/>
             <a:r>
-              <a:rPr lang="en-CA" dirty="0" smtClean="0"/>
+              <a:rPr lang="en-CA" dirty="0"/>
               <a:t>Developer</a:t>
             </a:r>
           </a:p>
           <a:p>
             <a:pPr lvl="1"/>
             <a:r>
-              <a:rPr lang="en-CA" dirty="0" smtClean="0"/>
+              <a:rPr lang="en-CA" dirty="0"/>
               <a:t>QA Tester</a:t>
             </a:r>
           </a:p>
@@ -8916,32 +8907,32 @@
           </a:p>
           <a:p>
             <a:r>
-              <a:rPr lang="en-CA" dirty="0" err="1" smtClean="0"/>
+              <a:rPr lang="en-CA" dirty="0" err="1"/>
               <a:t>Yayun</a:t>
             </a:r>
             <a:r>
-              <a:rPr lang="en-CA" dirty="0" smtClean="0"/>
+              <a:rPr lang="en-CA" dirty="0"/>
               <a:t> Yang</a:t>
             </a:r>
           </a:p>
           <a:p>
             <a:pPr lvl="1"/>
             <a:r>
-              <a:rPr lang="en-CA" dirty="0" smtClean="0"/>
+              <a:rPr lang="en-CA" dirty="0"/>
               <a:t>Designer</a:t>
             </a:r>
           </a:p>
           <a:p>
             <a:pPr lvl="1"/>
             <a:r>
-              <a:rPr lang="en-CA" dirty="0" smtClean="0"/>
+              <a:rPr lang="en-CA" dirty="0"/>
               <a:t>Developer</a:t>
             </a:r>
           </a:p>
           <a:p>
             <a:pPr lvl="1"/>
             <a:r>
-              <a:rPr lang="en-CA" dirty="0" smtClean="0"/>
+              <a:rPr lang="en-CA" dirty="0"/>
               <a:t>QA Tester</a:t>
             </a:r>
           </a:p>
@@ -9082,13 +9073,6 @@
   <p:clrMapOvr>
     <a:masterClrMapping/>
   </p:clrMapOvr>
-  <p:timing>
-    <p:tnLst>
-      <p:par>
-        <p:cTn id="1" dur="indefinite" restart="never" nodeType="tmRoot"/>
-      </p:par>
-    </p:tnLst>
-  </p:timing>
 </p:sld>
 </file>
 
@@ -9181,15 +9165,7 @@
                   <a:srgbClr val="000000"/>
                 </a:solidFill>
               </a:rPr>
-              <a:t>Top down shooter game with space </a:t>
-            </a:r>
-            <a:r>
-              <a:rPr lang="en" sz="1800" dirty="0" smtClean="0">
-                <a:solidFill>
-                  <a:srgbClr val="000000"/>
-                </a:solidFill>
-              </a:rPr>
-              <a:t>background</a:t>
+              <a:t>Top down shooter game with space background</a:t>
             </a:r>
           </a:p>
           <a:p>
@@ -9251,13 +9227,6 @@
   <p:clrMapOvr>
     <a:masterClrMapping/>
   </p:clrMapOvr>
-  <p:timing>
-    <p:tnLst>
-      <p:par>
-        <p:cTn id="1" dur="indefinite" restart="never" nodeType="tmRoot"/>
-      </p:par>
-    </p:tnLst>
-  </p:timing>
 </p:sld>
 </file>
 
@@ -9383,13 +9352,6 @@
   <p:clrMapOvr>
     <a:masterClrMapping/>
   </p:clrMapOvr>
-  <p:timing>
-    <p:tnLst>
-      <p:par>
-        <p:cTn id="1" dur="indefinite" restart="never" nodeType="tmRoot"/>
-      </p:par>
-    </p:tnLst>
-  </p:timing>
 </p:sld>
 </file>
 
@@ -9494,7 +9456,7 @@
               </a:spcAft>
               <a:buNone/>
             </a:pPr>
-            <a:endParaRPr lang="en-US" sz="1800" dirty="0" smtClean="0"/>
+            <a:endParaRPr lang="en-US" sz="1800" dirty="0"/>
           </a:p>
           <a:p>
             <a:pPr marL="0" lvl="0" indent="0" algn="l" rtl="0">
@@ -9643,13 +9605,6 @@
   <p:clrMapOvr>
     <a:masterClrMapping/>
   </p:clrMapOvr>
-  <p:timing>
-    <p:tnLst>
-      <p:par>
-        <p:cTn id="1" dur="indefinite" restart="never" nodeType="tmRoot"/>
-      </p:par>
-    </p:tnLst>
-  </p:timing>
 </p:sld>
 </file>
 
@@ -9812,13 +9767,6 @@
   <p:clrMapOvr>
     <a:masterClrMapping/>
   </p:clrMapOvr>
-  <p:timing>
-    <p:tnLst>
-      <p:par>
-        <p:cTn id="1" dur="indefinite" restart="never" nodeType="tmRoot"/>
-      </p:par>
-    </p:tnLst>
-  </p:timing>
 </p:sld>
 </file>
 
@@ -9951,13 +9899,6 @@
   <p:clrMapOvr>
     <a:masterClrMapping/>
   </p:clrMapOvr>
-  <p:timing>
-    <p:tnLst>
-      <p:par>
-        <p:cTn id="1" dur="indefinite" restart="never" nodeType="tmRoot"/>
-      </p:par>
-    </p:tnLst>
-  </p:timing>
 </p:sld>
 </file>
 
@@ -10151,13 +10092,6 @@
   <p:clrMapOvr>
     <a:masterClrMapping/>
   </p:clrMapOvr>
-  <p:timing>
-    <p:tnLst>
-      <p:par>
-        <p:cTn id="1" dur="indefinite" restart="never" nodeType="tmRoot"/>
-      </p:par>
-    </p:tnLst>
-  </p:timing>
 </p:sld>
 </file>
 

--- a/COMP 397 - Project Presentation.pptx
+++ b/COMP 397 - Project Presentation.pptx
@@ -8055,25 +8055,35 @@
           </a:p>
         </p:txBody>
       </p:sp>
-      <p:sp>
-        <p:nvSpPr>
-          <p:cNvPr id="3" name="Espaço Reservado para Texto 2"/>
-          <p:cNvSpPr>
-            <a:spLocks noGrp="1"/>
-          </p:cNvSpPr>
-          <p:nvPr>
-            <p:ph type="body" idx="1"/>
-          </p:nvPr>
-        </p:nvSpPr>
-        <p:spPr/>
-        <p:txBody>
-          <a:bodyPr/>
-          <a:lstStyle/>
-          <a:p>
-            <a:endParaRPr lang="en-CA"/>
-          </a:p>
-        </p:txBody>
-      </p:sp>
+      <p:pic>
+        <p:nvPicPr>
+          <p:cNvPr id="5" name="Picture 4">
+            <a:extLst>
+              <a:ext uri="{FF2B5EF4-FFF2-40B4-BE49-F238E27FC236}">
+                <a16:creationId xmlns:a16="http://schemas.microsoft.com/office/drawing/2014/main" id="{2C85C754-1A2C-474C-B4A5-2B28FD700014}"/>
+              </a:ext>
+            </a:extLst>
+          </p:cNvPr>
+          <p:cNvPicPr>
+            <a:picLocks noChangeAspect="1"/>
+          </p:cNvPicPr>
+          <p:nvPr/>
+        </p:nvPicPr>
+        <p:blipFill rotWithShape="1">
+          <a:blip r:embed="rId2"/>
+          <a:srcRect l="1656" t="14468" r="12720" b="15785"/>
+          <a:stretch/>
+        </p:blipFill>
+        <p:spPr>
+          <a:xfrm>
+            <a:off x="241245" y="1152475"/>
+            <a:ext cx="5947617" cy="3742483"/>
+          </a:xfrm>
+          <a:prstGeom prst="rect">
+            <a:avLst/>
+          </a:prstGeom>
+        </p:spPr>
+      </p:pic>
     </p:spTree>
     <p:extLst>
       <p:ext uri="{BB962C8B-B14F-4D97-AF65-F5344CB8AC3E}">

--- a/COMP 397 - Project Presentation.pptx
+++ b/COMP 397 - Project Presentation.pptx
@@ -2237,7 +2237,7 @@
             <a:fld id="{B61BEF0D-F0BB-DE4B-95CE-6DB70DBA9567}" type="datetimeFigureOut">
               <a:rPr lang="en-US" dirty="0"/>
               <a:pPr/>
-              <a:t>4/12/2019</a:t>
+              <a:t>4/15/2019</a:t>
             </a:fld>
             <a:endParaRPr lang="en-US" dirty="0"/>
           </a:p>
@@ -2499,7 +2499,7 @@
             <a:fld id="{B61BEF0D-F0BB-DE4B-95CE-6DB70DBA9567}" type="datetimeFigureOut">
               <a:rPr lang="en-US" dirty="0"/>
               <a:pPr/>
-              <a:t>4/12/2019</a:t>
+              <a:t>4/15/2019</a:t>
             </a:fld>
             <a:endParaRPr lang="en-US" dirty="0"/>
           </a:p>
@@ -2824,7 +2824,7 @@
             <a:fld id="{B61BEF0D-F0BB-DE4B-95CE-6DB70DBA9567}" type="datetimeFigureOut">
               <a:rPr lang="en-US" dirty="0"/>
               <a:pPr/>
-              <a:t>4/12/2019</a:t>
+              <a:t>4/15/2019</a:t>
             </a:fld>
             <a:endParaRPr lang="en-US" dirty="0"/>
           </a:p>
@@ -3176,7 +3176,7 @@
             <a:fld id="{B61BEF0D-F0BB-DE4B-95CE-6DB70DBA9567}" type="datetimeFigureOut">
               <a:rPr lang="en-US" dirty="0"/>
               <a:pPr/>
-              <a:t>4/12/2019</a:t>
+              <a:t>4/15/2019</a:t>
             </a:fld>
             <a:endParaRPr lang="en-US" dirty="0"/>
           </a:p>
@@ -3501,7 +3501,7 @@
             <a:fld id="{B61BEF0D-F0BB-DE4B-95CE-6DB70DBA9567}" type="datetimeFigureOut">
               <a:rPr lang="en-US" dirty="0"/>
               <a:pPr/>
-              <a:t>4/12/2019</a:t>
+              <a:t>4/15/2019</a:t>
             </a:fld>
             <a:endParaRPr lang="en-US" dirty="0"/>
           </a:p>
@@ -3905,7 +3905,7 @@
             <a:fld id="{B61BEF0D-F0BB-DE4B-95CE-6DB70DBA9567}" type="datetimeFigureOut">
               <a:rPr lang="en-US" dirty="0"/>
               <a:pPr/>
-              <a:t>4/12/2019</a:t>
+              <a:t>4/15/2019</a:t>
             </a:fld>
             <a:endParaRPr lang="en-US" dirty="0"/>
           </a:p>
@@ -4085,7 +4085,7 @@
           <a:p>
             <a:fld id="{55C6B4A9-1611-4792-9094-5F34BCA07E0B}" type="datetimeFigureOut">
               <a:rPr lang="en-US" dirty="0"/>
-              <a:t>4/12/2019</a:t>
+              <a:t>4/15/2019</a:t>
             </a:fld>
             <a:endParaRPr lang="en-US" dirty="0"/>
           </a:p>
@@ -4276,7 +4276,7 @@
             <a:fld id="{B61BEF0D-F0BB-DE4B-95CE-6DB70DBA9567}" type="datetimeFigureOut">
               <a:rPr lang="en-US" dirty="0"/>
               <a:pPr/>
-              <a:t>4/12/2019</a:t>
+              <a:t>4/15/2019</a:t>
             </a:fld>
             <a:endParaRPr lang="en-US" dirty="0"/>
           </a:p>
@@ -4826,7 +4826,7 @@
             <a:fld id="{B61BEF0D-F0BB-DE4B-95CE-6DB70DBA9567}" type="datetimeFigureOut">
               <a:rPr lang="en-US" dirty="0"/>
               <a:pPr/>
-              <a:t>4/12/2019</a:t>
+              <a:t>4/15/2019</a:t>
             </a:fld>
             <a:endParaRPr lang="en-US" dirty="0"/>
           </a:p>
@@ -5084,7 +5084,7 @@
             <a:fld id="{B61BEF0D-F0BB-DE4B-95CE-6DB70DBA9567}" type="datetimeFigureOut">
               <a:rPr lang="en-US" dirty="0"/>
               <a:pPr/>
-              <a:t>4/12/2019</a:t>
+              <a:t>4/15/2019</a:t>
             </a:fld>
             <a:endParaRPr lang="en-US" dirty="0"/>
           </a:p>
@@ -5326,7 +5326,7 @@
           <a:p>
             <a:fld id="{EB712588-04B1-427B-82EE-E8DB90309F08}" type="datetimeFigureOut">
               <a:rPr lang="en-US" dirty="0"/>
-              <a:t>4/12/2019</a:t>
+              <a:t>4/15/2019</a:t>
             </a:fld>
             <a:endParaRPr lang="en-US" dirty="0"/>
           </a:p>
@@ -5711,7 +5711,7 @@
             <a:fld id="{B61BEF0D-F0BB-DE4B-95CE-6DB70DBA9567}" type="datetimeFigureOut">
               <a:rPr lang="en-US" dirty="0"/>
               <a:pPr/>
-              <a:t>4/12/2019</a:t>
+              <a:t>4/15/2019</a:t>
             </a:fld>
             <a:endParaRPr lang="en-US" dirty="0"/>
           </a:p>
@@ -5845,7 +5845,7 @@
             <a:fld id="{B61BEF0D-F0BB-DE4B-95CE-6DB70DBA9567}" type="datetimeFigureOut">
               <a:rPr lang="en-US" dirty="0"/>
               <a:pPr/>
-              <a:t>4/12/2019</a:t>
+              <a:t>4/15/2019</a:t>
             </a:fld>
             <a:endParaRPr lang="en-US" dirty="0"/>
           </a:p>
@@ -5951,7 +5951,7 @@
             <a:fld id="{B61BEF0D-F0BB-DE4B-95CE-6DB70DBA9567}" type="datetimeFigureOut">
               <a:rPr lang="en-US" dirty="0"/>
               <a:pPr/>
-              <a:t>4/12/2019</a:t>
+              <a:t>4/15/2019</a:t>
             </a:fld>
             <a:endParaRPr lang="en-US" dirty="0"/>
           </a:p>
@@ -6216,7 +6216,7 @@
           <a:p>
             <a:fld id="{42A54C80-263E-416B-A8E0-580EDEADCBDC}" type="datetimeFigureOut">
               <a:rPr lang="en-US" dirty="0"/>
-              <a:t>4/12/2019</a:t>
+              <a:t>4/15/2019</a:t>
             </a:fld>
             <a:endParaRPr lang="en-US" dirty="0"/>
           </a:p>
@@ -6490,7 +6490,7 @@
             <a:fld id="{B61BEF0D-F0BB-DE4B-95CE-6DB70DBA9567}" type="datetimeFigureOut">
               <a:rPr lang="en-US" dirty="0"/>
               <a:pPr/>
-              <a:t>4/12/2019</a:t>
+              <a:t>4/15/2019</a:t>
             </a:fld>
             <a:endParaRPr lang="en-US" dirty="0"/>
           </a:p>
@@ -7244,7 +7244,7 @@
             <a:fld id="{B61BEF0D-F0BB-DE4B-95CE-6DB70DBA9567}" type="datetimeFigureOut">
               <a:rPr lang="en-US" dirty="0"/>
               <a:pPr/>
-              <a:t>4/12/2019</a:t>
+              <a:t>4/15/2019</a:t>
             </a:fld>
             <a:endParaRPr lang="en-US" dirty="0"/>
           </a:p>
@@ -7973,10 +7973,10 @@
       </p:sp>
       <p:pic>
         <p:nvPicPr>
-          <p:cNvPr id="5" name="Picture 4">
+          <p:cNvPr id="6" name="Picture 5" descr="State Machine.vsdx - Visio Professional">
             <a:extLst>
               <a:ext uri="{FF2B5EF4-FFF2-40B4-BE49-F238E27FC236}">
-                <a16:creationId xmlns:a16="http://schemas.microsoft.com/office/drawing/2014/main" id="{0D677061-1FE2-4F4B-971B-7A66F15B3A3A}"/>
+                <a16:creationId xmlns:a16="http://schemas.microsoft.com/office/drawing/2014/main" id="{43DC74AE-B818-48E7-AB4D-2EB262CAFE0A}"/>
               </a:ext>
             </a:extLst>
           </p:cNvPr>
@@ -7985,16 +7985,15 @@
           </p:cNvPicPr>
           <p:nvPr/>
         </p:nvPicPr>
-        <p:blipFill>
+        <p:blipFill rotWithShape="1">
           <a:blip r:embed="rId2"/>
-          <a:stretch>
-            <a:fillRect/>
-          </a:stretch>
+          <a:srcRect l="26025" t="35132" r="16313" b="31287"/>
+          <a:stretch/>
         </p:blipFill>
         <p:spPr>
           <a:xfrm>
-            <a:off x="441736" y="1152475"/>
-            <a:ext cx="8260528" cy="3175952"/>
+            <a:off x="270986" y="1186021"/>
+            <a:ext cx="7679756" cy="3206636"/>
           </a:xfrm>
           <a:prstGeom prst="rect">
             <a:avLst/>
